--- a/# lecture_slides/ch05/ch05_Function.pptx
+++ b/# lecture_slides/ch05/ch05_Function.pptx
@@ -48,7 +48,7 @@
   <p:notesSz cx="6805613" cy="9939338"/>
   <p:embeddedFontLst>
     <p:embeddedFont>
-      <p:font typeface="맑은 고딕" panose="020B0503020000020004" pitchFamily="50" charset="-127"/>
+      <p:font typeface="맑은 고딕" pitchFamily="50" charset="-127"/>
       <p:regular r:id="rId36"/>
       <p:bold r:id="rId37"/>
     </p:embeddedFont>
@@ -150,7 +150,7 @@
   </p:defaultTextStyle>
   <p:extLst>
     <p:ext uri="{EFAFB233-063F-42B5-8137-9DF3F51BA10A}">
-      <p15:sldGuideLst xmlns:p15="http://schemas.microsoft.com/office/powerpoint/2012/main">
+      <p15:sldGuideLst xmlns:p15="http://schemas.microsoft.com/office/powerpoint/2012/main" xmlns="">
         <p15:guide id="1" orient="horz" pos="2166">
           <p15:clr>
             <a:srgbClr val="A4A3A4"/>
@@ -234,7 +234,7 @@
       </p15:sldGuideLst>
     </p:ext>
     <p:ext uri="{2D200454-40CA-4A62-9FC3-DE9A4176ACB9}">
-      <p15:notesGuideLst xmlns:p15="http://schemas.microsoft.com/office/powerpoint/2012/main">
+      <p15:notesGuideLst xmlns:p15="http://schemas.microsoft.com/office/powerpoint/2012/main" xmlns="">
         <p15:guide id="1" orient="horz" pos="3131">
           <p15:clr>
             <a:srgbClr val="A4A3A4"/>
@@ -334,7 +334,7 @@
             <a:fld id="{207F23D9-DF40-4811-9C78-A2E2A32398DD}" type="datetimeFigureOut">
               <a:rPr lang="ko-KR" altLang="en-US" smtClean="0"/>
               <a:pPr/>
-              <a:t>2016-12-30</a:t>
+              <a:t>2018-06-12</a:t>
             </a:fld>
             <a:endParaRPr lang="ko-KR" altLang="en-US"/>
           </a:p>
@@ -410,7 +410,7 @@
     </p:spTree>
     <p:extLst>
       <p:ext uri="{BB962C8B-B14F-4D97-AF65-F5344CB8AC3E}">
-        <p14:creationId xmlns:p14="http://schemas.microsoft.com/office/powerpoint/2010/main" val="2891599686"/>
+        <p14:creationId xmlns:p14="http://schemas.microsoft.com/office/powerpoint/2010/main" xmlns="" val="2891599686"/>
       </p:ext>
     </p:extLst>
   </p:cSld>
@@ -501,7 +501,7 @@
             <a:fld id="{F3AF6795-A612-454E-AF7A-9192B1BEBB13}" type="datetimeFigureOut">
               <a:rPr lang="ko-KR" altLang="en-US" smtClean="0"/>
               <a:pPr/>
-              <a:t>2016-12-30</a:t>
+              <a:t>2018-06-12</a:t>
             </a:fld>
             <a:endParaRPr lang="ko-KR" altLang="en-US"/>
           </a:p>
@@ -672,7 +672,7 @@
     </p:spTree>
     <p:extLst>
       <p:ext uri="{BB962C8B-B14F-4D97-AF65-F5344CB8AC3E}">
-        <p14:creationId xmlns:p14="http://schemas.microsoft.com/office/powerpoint/2010/main" val="1587304990"/>
+        <p14:creationId xmlns:p14="http://schemas.microsoft.com/office/powerpoint/2010/main" xmlns="" val="1587304990"/>
       </p:ext>
     </p:extLst>
   </p:cSld>
@@ -849,7 +849,7 @@
     </p:spTree>
     <p:extLst>
       <p:ext uri="{BB962C8B-B14F-4D97-AF65-F5344CB8AC3E}">
-        <p14:creationId xmlns:p14="http://schemas.microsoft.com/office/powerpoint/2010/main" val="23495583"/>
+        <p14:creationId xmlns:p14="http://schemas.microsoft.com/office/powerpoint/2010/main" xmlns="" val="23495583"/>
       </p:ext>
     </p:extLst>
   </p:cSld>
@@ -934,7 +934,7 @@
     </p:spTree>
     <p:extLst>
       <p:ext uri="{BB962C8B-B14F-4D97-AF65-F5344CB8AC3E}">
-        <p14:creationId xmlns:p14="http://schemas.microsoft.com/office/powerpoint/2010/main" val="3020644549"/>
+        <p14:creationId xmlns:p14="http://schemas.microsoft.com/office/powerpoint/2010/main" xmlns="" val="3020644549"/>
       </p:ext>
     </p:extLst>
   </p:cSld>
@@ -1021,7 +1021,7 @@
     </p:spTree>
     <p:extLst>
       <p:ext uri="{BB962C8B-B14F-4D97-AF65-F5344CB8AC3E}">
-        <p14:creationId xmlns:p14="http://schemas.microsoft.com/office/powerpoint/2010/main" val="193128606"/>
+        <p14:creationId xmlns:p14="http://schemas.microsoft.com/office/powerpoint/2010/main" xmlns="" val="193128606"/>
       </p:ext>
     </p:extLst>
   </p:cSld>
@@ -1106,7 +1106,7 @@
     </p:spTree>
     <p:extLst>
       <p:ext uri="{BB962C8B-B14F-4D97-AF65-F5344CB8AC3E}">
-        <p14:creationId xmlns:p14="http://schemas.microsoft.com/office/powerpoint/2010/main" val="1722214541"/>
+        <p14:creationId xmlns:p14="http://schemas.microsoft.com/office/powerpoint/2010/main" xmlns="" val="1722214541"/>
       </p:ext>
     </p:extLst>
   </p:cSld>
@@ -1191,7 +1191,7 @@
     </p:spTree>
     <p:extLst>
       <p:ext uri="{BB962C8B-B14F-4D97-AF65-F5344CB8AC3E}">
-        <p14:creationId xmlns:p14="http://schemas.microsoft.com/office/powerpoint/2010/main" val="1581143627"/>
+        <p14:creationId xmlns:p14="http://schemas.microsoft.com/office/powerpoint/2010/main" xmlns="" val="1581143627"/>
       </p:ext>
     </p:extLst>
   </p:cSld>
@@ -1276,7 +1276,7 @@
     </p:spTree>
     <p:extLst>
       <p:ext uri="{BB962C8B-B14F-4D97-AF65-F5344CB8AC3E}">
-        <p14:creationId xmlns:p14="http://schemas.microsoft.com/office/powerpoint/2010/main" val="692997811"/>
+        <p14:creationId xmlns:p14="http://schemas.microsoft.com/office/powerpoint/2010/main" xmlns="" val="692997811"/>
       </p:ext>
     </p:extLst>
   </p:cSld>
@@ -1361,7 +1361,7 @@
     </p:spTree>
     <p:extLst>
       <p:ext uri="{BB962C8B-B14F-4D97-AF65-F5344CB8AC3E}">
-        <p14:creationId xmlns:p14="http://schemas.microsoft.com/office/powerpoint/2010/main" val="1672551938"/>
+        <p14:creationId xmlns:p14="http://schemas.microsoft.com/office/powerpoint/2010/main" xmlns="" val="1672551938"/>
       </p:ext>
     </p:extLst>
   </p:cSld>
@@ -1446,7 +1446,7 @@
     </p:spTree>
     <p:extLst>
       <p:ext uri="{BB962C8B-B14F-4D97-AF65-F5344CB8AC3E}">
-        <p14:creationId xmlns:p14="http://schemas.microsoft.com/office/powerpoint/2010/main" val="2517982322"/>
+        <p14:creationId xmlns:p14="http://schemas.microsoft.com/office/powerpoint/2010/main" xmlns="" val="2517982322"/>
       </p:ext>
     </p:extLst>
   </p:cSld>
@@ -1531,7 +1531,7 @@
     </p:spTree>
     <p:extLst>
       <p:ext uri="{BB962C8B-B14F-4D97-AF65-F5344CB8AC3E}">
-        <p14:creationId xmlns:p14="http://schemas.microsoft.com/office/powerpoint/2010/main" val="1059870032"/>
+        <p14:creationId xmlns:p14="http://schemas.microsoft.com/office/powerpoint/2010/main" xmlns="" val="1059870032"/>
       </p:ext>
     </p:extLst>
   </p:cSld>
@@ -1616,7 +1616,7 @@
     </p:spTree>
     <p:extLst>
       <p:ext uri="{BB962C8B-B14F-4D97-AF65-F5344CB8AC3E}">
-        <p14:creationId xmlns:p14="http://schemas.microsoft.com/office/powerpoint/2010/main" val="2572992521"/>
+        <p14:creationId xmlns:p14="http://schemas.microsoft.com/office/powerpoint/2010/main" xmlns="" val="2572992521"/>
       </p:ext>
     </p:extLst>
   </p:cSld>
@@ -1701,7 +1701,7 @@
     </p:spTree>
     <p:extLst>
       <p:ext uri="{BB962C8B-B14F-4D97-AF65-F5344CB8AC3E}">
-        <p14:creationId xmlns:p14="http://schemas.microsoft.com/office/powerpoint/2010/main" val="3771379080"/>
+        <p14:creationId xmlns:p14="http://schemas.microsoft.com/office/powerpoint/2010/main" xmlns="" val="3771379080"/>
       </p:ext>
     </p:extLst>
   </p:cSld>
@@ -1788,7 +1788,7 @@
     </p:spTree>
     <p:extLst>
       <p:ext uri="{BB962C8B-B14F-4D97-AF65-F5344CB8AC3E}">
-        <p14:creationId xmlns:p14="http://schemas.microsoft.com/office/powerpoint/2010/main" val="61704545"/>
+        <p14:creationId xmlns:p14="http://schemas.microsoft.com/office/powerpoint/2010/main" xmlns="" val="61704545"/>
       </p:ext>
     </p:extLst>
   </p:cSld>
@@ -1873,7 +1873,7 @@
     </p:spTree>
     <p:extLst>
       <p:ext uri="{BB962C8B-B14F-4D97-AF65-F5344CB8AC3E}">
-        <p14:creationId xmlns:p14="http://schemas.microsoft.com/office/powerpoint/2010/main" val="3184251986"/>
+        <p14:creationId xmlns:p14="http://schemas.microsoft.com/office/powerpoint/2010/main" xmlns="" val="3184251986"/>
       </p:ext>
     </p:extLst>
   </p:cSld>
@@ -1958,7 +1958,7 @@
     </p:spTree>
     <p:extLst>
       <p:ext uri="{BB962C8B-B14F-4D97-AF65-F5344CB8AC3E}">
-        <p14:creationId xmlns:p14="http://schemas.microsoft.com/office/powerpoint/2010/main" val="2077825676"/>
+        <p14:creationId xmlns:p14="http://schemas.microsoft.com/office/powerpoint/2010/main" xmlns="" val="2077825676"/>
       </p:ext>
     </p:extLst>
   </p:cSld>
@@ -2043,7 +2043,7 @@
     </p:spTree>
     <p:extLst>
       <p:ext uri="{BB962C8B-B14F-4D97-AF65-F5344CB8AC3E}">
-        <p14:creationId xmlns:p14="http://schemas.microsoft.com/office/powerpoint/2010/main" val="204075472"/>
+        <p14:creationId xmlns:p14="http://schemas.microsoft.com/office/powerpoint/2010/main" xmlns="" val="204075472"/>
       </p:ext>
     </p:extLst>
   </p:cSld>
@@ -2128,7 +2128,7 @@
     </p:spTree>
     <p:extLst>
       <p:ext uri="{BB962C8B-B14F-4D97-AF65-F5344CB8AC3E}">
-        <p14:creationId xmlns:p14="http://schemas.microsoft.com/office/powerpoint/2010/main" val="4215174667"/>
+        <p14:creationId xmlns:p14="http://schemas.microsoft.com/office/powerpoint/2010/main" xmlns="" val="4215174667"/>
       </p:ext>
     </p:extLst>
   </p:cSld>
@@ -2213,7 +2213,7 @@
     </p:spTree>
     <p:extLst>
       <p:ext uri="{BB962C8B-B14F-4D97-AF65-F5344CB8AC3E}">
-        <p14:creationId xmlns:p14="http://schemas.microsoft.com/office/powerpoint/2010/main" val="1085943185"/>
+        <p14:creationId xmlns:p14="http://schemas.microsoft.com/office/powerpoint/2010/main" xmlns="" val="1085943185"/>
       </p:ext>
     </p:extLst>
   </p:cSld>
@@ -2298,7 +2298,7 @@
     </p:spTree>
     <p:extLst>
       <p:ext uri="{BB962C8B-B14F-4D97-AF65-F5344CB8AC3E}">
-        <p14:creationId xmlns:p14="http://schemas.microsoft.com/office/powerpoint/2010/main" val="924643484"/>
+        <p14:creationId xmlns:p14="http://schemas.microsoft.com/office/powerpoint/2010/main" xmlns="" val="924643484"/>
       </p:ext>
     </p:extLst>
   </p:cSld>
@@ -2383,7 +2383,7 @@
     </p:spTree>
     <p:extLst>
       <p:ext uri="{BB962C8B-B14F-4D97-AF65-F5344CB8AC3E}">
-        <p14:creationId xmlns:p14="http://schemas.microsoft.com/office/powerpoint/2010/main" val="3487508428"/>
+        <p14:creationId xmlns:p14="http://schemas.microsoft.com/office/powerpoint/2010/main" xmlns="" val="3487508428"/>
       </p:ext>
     </p:extLst>
   </p:cSld>
@@ -2468,7 +2468,7 @@
     </p:spTree>
     <p:extLst>
       <p:ext uri="{BB962C8B-B14F-4D97-AF65-F5344CB8AC3E}">
-        <p14:creationId xmlns:p14="http://schemas.microsoft.com/office/powerpoint/2010/main" val="118803603"/>
+        <p14:creationId xmlns:p14="http://schemas.microsoft.com/office/powerpoint/2010/main" xmlns="" val="118803603"/>
       </p:ext>
     </p:extLst>
   </p:cSld>
@@ -2553,7 +2553,7 @@
     </p:spTree>
     <p:extLst>
       <p:ext uri="{BB962C8B-B14F-4D97-AF65-F5344CB8AC3E}">
-        <p14:creationId xmlns:p14="http://schemas.microsoft.com/office/powerpoint/2010/main" val="850555121"/>
+        <p14:creationId xmlns:p14="http://schemas.microsoft.com/office/powerpoint/2010/main" xmlns="" val="850555121"/>
       </p:ext>
     </p:extLst>
   </p:cSld>
@@ -2640,7 +2640,7 @@
     </p:spTree>
     <p:extLst>
       <p:ext uri="{BB962C8B-B14F-4D97-AF65-F5344CB8AC3E}">
-        <p14:creationId xmlns:p14="http://schemas.microsoft.com/office/powerpoint/2010/main" val="2557935144"/>
+        <p14:creationId xmlns:p14="http://schemas.microsoft.com/office/powerpoint/2010/main" xmlns="" val="2557935144"/>
       </p:ext>
     </p:extLst>
   </p:cSld>
@@ -2725,7 +2725,7 @@
     </p:spTree>
     <p:extLst>
       <p:ext uri="{BB962C8B-B14F-4D97-AF65-F5344CB8AC3E}">
-        <p14:creationId xmlns:p14="http://schemas.microsoft.com/office/powerpoint/2010/main" val="2987170592"/>
+        <p14:creationId xmlns:p14="http://schemas.microsoft.com/office/powerpoint/2010/main" xmlns="" val="2987170592"/>
       </p:ext>
     </p:extLst>
   </p:cSld>
@@ -2810,7 +2810,7 @@
     </p:spTree>
     <p:extLst>
       <p:ext uri="{BB962C8B-B14F-4D97-AF65-F5344CB8AC3E}">
-        <p14:creationId xmlns:p14="http://schemas.microsoft.com/office/powerpoint/2010/main" val="3670170358"/>
+        <p14:creationId xmlns:p14="http://schemas.microsoft.com/office/powerpoint/2010/main" xmlns="" val="3670170358"/>
       </p:ext>
     </p:extLst>
   </p:cSld>
@@ -2895,7 +2895,7 @@
     </p:spTree>
     <p:extLst>
       <p:ext uri="{BB962C8B-B14F-4D97-AF65-F5344CB8AC3E}">
-        <p14:creationId xmlns:p14="http://schemas.microsoft.com/office/powerpoint/2010/main" val="3989272431"/>
+        <p14:creationId xmlns:p14="http://schemas.microsoft.com/office/powerpoint/2010/main" xmlns="" val="3989272431"/>
       </p:ext>
     </p:extLst>
   </p:cSld>
@@ -2982,7 +2982,7 @@
     </p:spTree>
     <p:extLst>
       <p:ext uri="{BB962C8B-B14F-4D97-AF65-F5344CB8AC3E}">
-        <p14:creationId xmlns:p14="http://schemas.microsoft.com/office/powerpoint/2010/main" val="289883203"/>
+        <p14:creationId xmlns:p14="http://schemas.microsoft.com/office/powerpoint/2010/main" xmlns="" val="289883203"/>
       </p:ext>
     </p:extLst>
   </p:cSld>
@@ -3067,7 +3067,7 @@
     </p:spTree>
     <p:extLst>
       <p:ext uri="{BB962C8B-B14F-4D97-AF65-F5344CB8AC3E}">
-        <p14:creationId xmlns:p14="http://schemas.microsoft.com/office/powerpoint/2010/main" val="1188120513"/>
+        <p14:creationId xmlns:p14="http://schemas.microsoft.com/office/powerpoint/2010/main" xmlns="" val="1188120513"/>
       </p:ext>
     </p:extLst>
   </p:cSld>
@@ -3152,7 +3152,7 @@
     </p:spTree>
     <p:extLst>
       <p:ext uri="{BB962C8B-B14F-4D97-AF65-F5344CB8AC3E}">
-        <p14:creationId xmlns:p14="http://schemas.microsoft.com/office/powerpoint/2010/main" val="3951486019"/>
+        <p14:creationId xmlns:p14="http://schemas.microsoft.com/office/powerpoint/2010/main" xmlns="" val="3951486019"/>
       </p:ext>
     </p:extLst>
   </p:cSld>
@@ -3237,7 +3237,7 @@
     </p:spTree>
     <p:extLst>
       <p:ext uri="{BB962C8B-B14F-4D97-AF65-F5344CB8AC3E}">
-        <p14:creationId xmlns:p14="http://schemas.microsoft.com/office/powerpoint/2010/main" val="2446460242"/>
+        <p14:creationId xmlns:p14="http://schemas.microsoft.com/office/powerpoint/2010/main" xmlns="" val="2446460242"/>
       </p:ext>
     </p:extLst>
   </p:cSld>
@@ -3322,7 +3322,7 @@
     </p:spTree>
     <p:extLst>
       <p:ext uri="{BB962C8B-B14F-4D97-AF65-F5344CB8AC3E}">
-        <p14:creationId xmlns:p14="http://schemas.microsoft.com/office/powerpoint/2010/main" val="2649369242"/>
+        <p14:creationId xmlns:p14="http://schemas.microsoft.com/office/powerpoint/2010/main" xmlns="" val="2649369242"/>
       </p:ext>
     </p:extLst>
   </p:cSld>
@@ -3407,7 +3407,7 @@
     </p:spTree>
     <p:extLst>
       <p:ext uri="{BB962C8B-B14F-4D97-AF65-F5344CB8AC3E}">
-        <p14:creationId xmlns:p14="http://schemas.microsoft.com/office/powerpoint/2010/main" val="4158766587"/>
+        <p14:creationId xmlns:p14="http://schemas.microsoft.com/office/powerpoint/2010/main" xmlns="" val="4158766587"/>
       </p:ext>
     </p:extLst>
   </p:cSld>
@@ -3492,7 +3492,7 @@
     </p:spTree>
     <p:extLst>
       <p:ext uri="{BB962C8B-B14F-4D97-AF65-F5344CB8AC3E}">
-        <p14:creationId xmlns:p14="http://schemas.microsoft.com/office/powerpoint/2010/main" val="1331741567"/>
+        <p14:creationId xmlns:p14="http://schemas.microsoft.com/office/powerpoint/2010/main" xmlns="" val="1331741567"/>
       </p:ext>
     </p:extLst>
   </p:cSld>
@@ -4002,7 +4002,7 @@
             <a:fld id="{8761FD00-3F21-42CF-9EF5-8F6D81CE3AFD}" type="datetimeFigureOut">
               <a:rPr lang="ko-KR" altLang="en-US" smtClean="0"/>
               <a:pPr/>
-              <a:t>2016-12-30</a:t>
+              <a:t>2018-06-12</a:t>
             </a:fld>
             <a:endParaRPr lang="ko-KR" altLang="en-US"/>
           </a:p>
@@ -4748,7 +4748,7 @@
             <a:fld id="{8761FD00-3F21-42CF-9EF5-8F6D81CE3AFD}" type="datetimeFigureOut">
               <a:rPr lang="ko-KR" altLang="en-US" smtClean="0"/>
               <a:pPr/>
-              <a:t>2016-12-30</a:t>
+              <a:t>2018-06-12</a:t>
             </a:fld>
             <a:endParaRPr lang="ko-KR" altLang="en-US"/>
           </a:p>
@@ -5061,7 +5061,7 @@
             <a:fld id="{8761FD00-3F21-42CF-9EF5-8F6D81CE3AFD}" type="datetimeFigureOut">
               <a:rPr lang="ko-KR" altLang="en-US" smtClean="0"/>
               <a:pPr/>
-              <a:t>2016-12-30</a:t>
+              <a:t>2018-06-12</a:t>
             </a:fld>
             <a:endParaRPr lang="ko-KR" altLang="en-US"/>
           </a:p>
@@ -5316,7 +5316,7 @@
             <a:fld id="{8761FD00-3F21-42CF-9EF5-8F6D81CE3AFD}" type="datetimeFigureOut">
               <a:rPr lang="ko-KR" altLang="en-US" smtClean="0"/>
               <a:pPr/>
-              <a:t>2016-12-30</a:t>
+              <a:t>2018-06-12</a:t>
             </a:fld>
             <a:endParaRPr lang="ko-KR" altLang="en-US" dirty="0"/>
           </a:p>
@@ -5542,7 +5542,7 @@
             <a:fld id="{8761FD00-3F21-42CF-9EF5-8F6D81CE3AFD}" type="datetimeFigureOut">
               <a:rPr lang="ko-KR" altLang="en-US" smtClean="0"/>
               <a:pPr/>
-              <a:t>2016-12-30</a:t>
+              <a:t>2018-06-12</a:t>
             </a:fld>
             <a:endParaRPr lang="ko-KR" altLang="en-US" dirty="0"/>
           </a:p>
@@ -5768,7 +5768,7 @@
             <a:fld id="{8761FD00-3F21-42CF-9EF5-8F6D81CE3AFD}" type="datetimeFigureOut">
               <a:rPr lang="ko-KR" altLang="en-US" smtClean="0"/>
               <a:pPr/>
-              <a:t>2016-12-30</a:t>
+              <a:t>2018-06-12</a:t>
             </a:fld>
             <a:endParaRPr lang="ko-KR" altLang="en-US" dirty="0"/>
           </a:p>
@@ -7071,7 +7071,7 @@
     </p:spTree>
     <p:extLst>
       <p:ext uri="{BB962C8B-B14F-4D97-AF65-F5344CB8AC3E}">
-        <p14:creationId xmlns:p14="http://schemas.microsoft.com/office/powerpoint/2010/main" val="985465351"/>
+        <p14:creationId xmlns:p14="http://schemas.microsoft.com/office/powerpoint/2010/main" xmlns="" val="985465351"/>
       </p:ext>
     </p:extLst>
   </p:cSld>
@@ -7187,7 +7187,7 @@
     </p:spTree>
     <p:extLst>
       <p:ext uri="{BB962C8B-B14F-4D97-AF65-F5344CB8AC3E}">
-        <p14:creationId xmlns:p14="http://schemas.microsoft.com/office/powerpoint/2010/main" val="3866964363"/>
+        <p14:creationId xmlns:p14="http://schemas.microsoft.com/office/powerpoint/2010/main" xmlns="" val="3866964363"/>
       </p:ext>
     </p:extLst>
   </p:cSld>
@@ -7469,11 +7469,6 @@
               </a:rPr>
               <a:t>Ch05. Function</a:t>
             </a:r>
-            <a:endParaRPr lang="en-US" altLang="ko-KR" sz="1000" dirty="0">
-              <a:solidFill>
-                <a:schemeClr val="bg1"/>
-              </a:solidFill>
-            </a:endParaRPr>
           </a:p>
         </p:txBody>
       </p:sp>
@@ -7695,17 +7690,17 @@
               <a:t>그 이름을 프로그램 어디에서건 사용함으로써 그 블록에 포함된 명령어들을 </a:t>
             </a:r>
             <a:r>
-              <a:rPr lang="ko-KR" altLang="en-US" sz="1600" spc="-150" dirty="0" err="1">
-                <a:ln w="0"/>
-                <a:effectLst>
-                  <a:outerShdw blurRad="38100" dist="19050" dir="2700000" algn="tl" rotWithShape="0">
-                    <a:schemeClr val="dk1">
-                      <a:alpha val="40000"/>
-                    </a:schemeClr>
-                  </a:outerShdw>
-                </a:effectLst>
-              </a:rPr>
-              <a:t>몇번이고</a:t>
+              <a:rPr lang="ko-KR" altLang="en-US" sz="1600" spc="-150" dirty="0" smtClean="0">
+                <a:ln w="0"/>
+                <a:effectLst>
+                  <a:outerShdw blurRad="38100" dist="19050" dir="2700000" algn="tl" rotWithShape="0">
+                    <a:schemeClr val="dk1">
+                      <a:alpha val="40000"/>
+                    </a:schemeClr>
+                  </a:outerShdw>
+                </a:effectLst>
+              </a:rPr>
+              <a:t>몇 번이고 </a:t>
             </a:r>
             <a:r>
               <a:rPr lang="ko-KR" altLang="en-US" sz="1600" spc="-150" dirty="0">
@@ -7718,7 +7713,7 @@
                   </a:outerShdw>
                 </a:effectLst>
               </a:rPr>
-              <a:t> 다시 실행할 수 있게 하는 것입니다</a:t>
+              <a:t>다시 실행할 수 있게 하는 것입니다</a:t>
             </a:r>
             <a:r>
               <a:rPr lang="en-US" altLang="ko-KR" sz="1600" spc="-150" dirty="0">
@@ -7809,7 +7804,7 @@
           <a:blip r:embed="rId4">
             <a:extLst>
               <a:ext uri="{28A0092B-C50C-407E-A947-70E740481C1C}">
-                <a14:useLocalDpi xmlns:a14="http://schemas.microsoft.com/office/drawing/2010/main" val="0"/>
+                <a14:useLocalDpi xmlns:a14="http://schemas.microsoft.com/office/drawing/2010/main" xmlns="" val="0"/>
               </a:ext>
             </a:extLst>
           </a:blip>
@@ -7829,7 +7824,7 @@
           <a:noFill/>
           <a:extLst>
             <a:ext uri="{909E8E84-426E-40DD-AFC4-6F175D3DCCD1}">
-              <a14:hiddenFill xmlns:a14="http://schemas.microsoft.com/office/drawing/2010/main">
+              <a14:hiddenFill xmlns:a14="http://schemas.microsoft.com/office/drawing/2010/main" xmlns="">
                 <a:solidFill>
                   <a:srgbClr val="FFFFFF"/>
                 </a:solidFill>
@@ -7850,7 +7845,7 @@
           <a:blip r:embed="rId5">
             <a:extLst>
               <a:ext uri="{28A0092B-C50C-407E-A947-70E740481C1C}">
-                <a14:useLocalDpi xmlns:a14="http://schemas.microsoft.com/office/drawing/2010/main" val="0"/>
+                <a14:useLocalDpi xmlns:a14="http://schemas.microsoft.com/office/drawing/2010/main" xmlns="" val="0"/>
               </a:ext>
             </a:extLst>
           </a:blip>
@@ -7870,7 +7865,7 @@
           <a:noFill/>
           <a:extLst>
             <a:ext uri="{909E8E84-426E-40DD-AFC4-6F175D3DCCD1}">
-              <a14:hiddenFill xmlns:a14="http://schemas.microsoft.com/office/drawing/2010/main">
+              <a14:hiddenFill xmlns:a14="http://schemas.microsoft.com/office/drawing/2010/main" xmlns="">
                 <a:solidFill>
                   <a:srgbClr val="FFFFFF"/>
                 </a:solidFill>
@@ -7882,7 +7877,7 @@
     </p:spTree>
     <p:extLst>
       <p:ext uri="{BB962C8B-B14F-4D97-AF65-F5344CB8AC3E}">
-        <p14:creationId xmlns:p14="http://schemas.microsoft.com/office/powerpoint/2010/main" val="4232548293"/>
+        <p14:creationId xmlns:p14="http://schemas.microsoft.com/office/powerpoint/2010/main" xmlns="" val="4232548293"/>
       </p:ext>
     </p:extLst>
   </p:cSld>
@@ -8164,11 +8159,6 @@
               </a:rPr>
               <a:t>Ch05. Function</a:t>
             </a:r>
-            <a:endParaRPr lang="en-US" altLang="ko-KR" sz="1000" dirty="0">
-              <a:solidFill>
-                <a:schemeClr val="bg1"/>
-              </a:solidFill>
-            </a:endParaRPr>
           </a:p>
         </p:txBody>
       </p:sp>
@@ -8576,7 +8566,7 @@
           <a:blip r:embed="rId4">
             <a:extLst>
               <a:ext uri="{28A0092B-C50C-407E-A947-70E740481C1C}">
-                <a14:useLocalDpi xmlns:a14="http://schemas.microsoft.com/office/drawing/2010/main" val="0"/>
+                <a14:useLocalDpi xmlns:a14="http://schemas.microsoft.com/office/drawing/2010/main" xmlns="" val="0"/>
               </a:ext>
             </a:extLst>
           </a:blip>
@@ -8596,7 +8586,7 @@
           <a:noFill/>
           <a:extLst>
             <a:ext uri="{909E8E84-426E-40DD-AFC4-6F175D3DCCD1}">
-              <a14:hiddenFill xmlns:a14="http://schemas.microsoft.com/office/drawing/2010/main">
+              <a14:hiddenFill xmlns:a14="http://schemas.microsoft.com/office/drawing/2010/main" xmlns="">
                 <a:solidFill>
                   <a:srgbClr val="FFFFFF"/>
                 </a:solidFill>
@@ -8617,7 +8607,7 @@
           <a:blip r:embed="rId5">
             <a:extLst>
               <a:ext uri="{28A0092B-C50C-407E-A947-70E740481C1C}">
-                <a14:useLocalDpi xmlns:a14="http://schemas.microsoft.com/office/drawing/2010/main" val="0"/>
+                <a14:useLocalDpi xmlns:a14="http://schemas.microsoft.com/office/drawing/2010/main" xmlns="" val="0"/>
               </a:ext>
             </a:extLst>
           </a:blip>
@@ -8637,7 +8627,7 @@
           <a:noFill/>
           <a:extLst>
             <a:ext uri="{909E8E84-426E-40DD-AFC4-6F175D3DCCD1}">
-              <a14:hiddenFill xmlns:a14="http://schemas.microsoft.com/office/drawing/2010/main">
+              <a14:hiddenFill xmlns:a14="http://schemas.microsoft.com/office/drawing/2010/main" xmlns="">
                 <a:solidFill>
                   <a:srgbClr val="FFFFFF"/>
                 </a:solidFill>
@@ -8649,7 +8639,7 @@
     </p:spTree>
     <p:extLst>
       <p:ext uri="{BB962C8B-B14F-4D97-AF65-F5344CB8AC3E}">
-        <p14:creationId xmlns:p14="http://schemas.microsoft.com/office/powerpoint/2010/main" val="3778122446"/>
+        <p14:creationId xmlns:p14="http://schemas.microsoft.com/office/powerpoint/2010/main" xmlns="" val="3778122446"/>
       </p:ext>
     </p:extLst>
   </p:cSld>
@@ -8838,16 +8828,7 @@
                 </a:solidFill>
                 <a:latin typeface="맑은 고딕" pitchFamily="50" charset="-127"/>
               </a:rPr>
-              <a:t>&gt; </a:t>
-            </a:r>
-            <a:r>
-              <a:rPr lang="en-US" altLang="ko-KR" sz="1600" b="1" spc="-150" dirty="0">
-                <a:solidFill>
-                  <a:srgbClr val="000000"/>
-                </a:solidFill>
-                <a:latin typeface="맑은 고딕" pitchFamily="50" charset="-127"/>
-              </a:rPr>
-              <a:t>function_global.py  | Ch05&gt;code</a:t>
+              <a:t>&gt; function_global.py  | Ch05&gt;code</a:t>
             </a:r>
             <a:r>
               <a:rPr lang="ko-KR" altLang="en-US" sz="1600" b="1" spc="-150" dirty="0">
@@ -8957,11 +8938,6 @@
               </a:rPr>
               <a:t>Ch05. Function</a:t>
             </a:r>
-            <a:endParaRPr lang="en-US" altLang="ko-KR" sz="1000" dirty="0">
-              <a:solidFill>
-                <a:schemeClr val="bg1"/>
-              </a:solidFill>
-            </a:endParaRPr>
           </a:p>
         </p:txBody>
       </p:sp>
@@ -9210,7 +9186,7 @@
     </p:spTree>
     <p:extLst>
       <p:ext uri="{BB962C8B-B14F-4D97-AF65-F5344CB8AC3E}">
-        <p14:creationId xmlns:p14="http://schemas.microsoft.com/office/powerpoint/2010/main" val="2103834307"/>
+        <p14:creationId xmlns:p14="http://schemas.microsoft.com/office/powerpoint/2010/main" xmlns="" val="2103834307"/>
       </p:ext>
     </p:extLst>
   </p:cSld>
@@ -9491,11 +9467,6 @@
               </a:rPr>
               <a:t>Ch05. Function</a:t>
             </a:r>
-            <a:endParaRPr lang="en-US" altLang="ko-KR" sz="1000" dirty="0">
-              <a:solidFill>
-                <a:schemeClr val="bg1"/>
-              </a:solidFill>
-            </a:endParaRPr>
           </a:p>
         </p:txBody>
       </p:sp>
@@ -9778,21 +9749,7 @@
                 </a:effectLst>
                 <a:ea typeface="맑은 고딕" panose="020B0503020000020004" pitchFamily="50" charset="-127"/>
               </a:rPr>
-              <a:t>몇 개인지 정해지지 않은 인자를 받을 수 있는 매개</a:t>
-            </a:r>
-            <a:r>
-              <a:rPr lang="ko-KR" altLang="en-US" sz="1600" spc="-150" dirty="0" smtClean="0">
-                <a:ln w="0"/>
-                <a:effectLst>
-                  <a:outerShdw blurRad="38100" dist="19050" dir="2700000" algn="tl" rotWithShape="0">
-                    <a:schemeClr val="dk1">
-                      <a:alpha val="40000"/>
-                    </a:schemeClr>
-                  </a:outerShdw>
-                </a:effectLst>
-                <a:ea typeface="맑은 고딕" panose="020B0503020000020004" pitchFamily="50" charset="-127"/>
-              </a:rPr>
-              <a:t>변수 표현법을 살펴봅시다</a:t>
+              <a:t>몇 개인지 정해지지 않은 인자를 받을 수 있는 매개변수 표현법을 살펴봅시다</a:t>
             </a:r>
             <a:r>
               <a:rPr lang="en-US" altLang="ko-KR" sz="1600" spc="-150" dirty="0" smtClean="0">
@@ -9825,7 +9782,7 @@
     </p:spTree>
     <p:extLst>
       <p:ext uri="{BB962C8B-B14F-4D97-AF65-F5344CB8AC3E}">
-        <p14:creationId xmlns:p14="http://schemas.microsoft.com/office/powerpoint/2010/main" val="688500224"/>
+        <p14:creationId xmlns:p14="http://schemas.microsoft.com/office/powerpoint/2010/main" xmlns="" val="688500224"/>
       </p:ext>
     </p:extLst>
   </p:cSld>
@@ -10106,11 +10063,6 @@
               </a:rPr>
               <a:t>Ch05. Function</a:t>
             </a:r>
-            <a:endParaRPr lang="en-US" altLang="ko-KR" sz="1000" dirty="0">
-              <a:solidFill>
-                <a:schemeClr val="bg1"/>
-              </a:solidFill>
-            </a:endParaRPr>
           </a:p>
         </p:txBody>
       </p:sp>
@@ -10483,21 +10435,7 @@
                 </a:effectLst>
                 <a:ea typeface="맑은 고딕" panose="020B0503020000020004" pitchFamily="50" charset="-127"/>
               </a:rPr>
-              <a:t>몇 개인지 정해지지 않은 </a:t>
-            </a:r>
-            <a:r>
-              <a:rPr lang="ko-KR" altLang="en-US" sz="1600" spc="-150" dirty="0" smtClean="0">
-                <a:ln w="0"/>
-                <a:effectLst>
-                  <a:outerShdw blurRad="38100" dist="19050" dir="2700000" algn="tl" rotWithShape="0">
-                    <a:schemeClr val="dk1">
-                      <a:alpha val="40000"/>
-                    </a:schemeClr>
-                  </a:outerShdw>
-                </a:effectLst>
-                <a:ea typeface="맑은 고딕" panose="020B0503020000020004" pitchFamily="50" charset="-127"/>
-              </a:rPr>
-              <a:t>변수들을 사용해봅시다</a:t>
+              <a:t>몇 개인지 정해지지 않은 변수들을 사용해봅시다</a:t>
             </a:r>
             <a:r>
               <a:rPr lang="en-US" altLang="ko-KR" sz="1600" spc="-150" dirty="0" smtClean="0">
@@ -10662,7 +10600,7 @@
     </p:spTree>
     <p:extLst>
       <p:ext uri="{BB962C8B-B14F-4D97-AF65-F5344CB8AC3E}">
-        <p14:creationId xmlns:p14="http://schemas.microsoft.com/office/powerpoint/2010/main" val="572443556"/>
+        <p14:creationId xmlns:p14="http://schemas.microsoft.com/office/powerpoint/2010/main" xmlns="" val="572443556"/>
       </p:ext>
     </p:extLst>
   </p:cSld>
@@ -11458,7 +11396,7 @@
     </p:spTree>
     <p:extLst>
       <p:ext uri="{BB962C8B-B14F-4D97-AF65-F5344CB8AC3E}">
-        <p14:creationId xmlns:p14="http://schemas.microsoft.com/office/powerpoint/2010/main" val="3375705241"/>
+        <p14:creationId xmlns:p14="http://schemas.microsoft.com/office/powerpoint/2010/main" xmlns="" val="3375705241"/>
       </p:ext>
     </p:extLst>
   </p:cSld>
@@ -11739,11 +11677,6 @@
               </a:rPr>
               <a:t>Ch05. Function</a:t>
             </a:r>
-            <a:endParaRPr lang="en-US" altLang="ko-KR" sz="1000" dirty="0">
-              <a:solidFill>
-                <a:schemeClr val="bg1"/>
-              </a:solidFill>
-            </a:endParaRPr>
           </a:p>
         </p:txBody>
       </p:sp>
@@ -12267,7 +12200,7 @@
     </p:spTree>
     <p:extLst>
       <p:ext uri="{BB962C8B-B14F-4D97-AF65-F5344CB8AC3E}">
-        <p14:creationId xmlns:p14="http://schemas.microsoft.com/office/powerpoint/2010/main" val="1722114328"/>
+        <p14:creationId xmlns:p14="http://schemas.microsoft.com/office/powerpoint/2010/main" xmlns="" val="1722114328"/>
       </p:ext>
     </p:extLst>
   </p:cSld>
@@ -12929,7 +12862,7 @@
           <a:blip r:embed="rId5">
             <a:extLst>
               <a:ext uri="{28A0092B-C50C-407E-A947-70E740481C1C}">
-                <a14:useLocalDpi xmlns:a14="http://schemas.microsoft.com/office/drawing/2010/main" val="0"/>
+                <a14:useLocalDpi xmlns:a14="http://schemas.microsoft.com/office/drawing/2010/main" xmlns="" val="0"/>
               </a:ext>
             </a:extLst>
           </a:blip>
@@ -12949,7 +12882,7 @@
           <a:noFill/>
           <a:extLst>
             <a:ext uri="{909E8E84-426E-40DD-AFC4-6F175D3DCCD1}">
-              <a14:hiddenFill xmlns:a14="http://schemas.microsoft.com/office/drawing/2010/main">
+              <a14:hiddenFill xmlns:a14="http://schemas.microsoft.com/office/drawing/2010/main" xmlns="">
                 <a:solidFill>
                   <a:srgbClr val="FFFFFF"/>
                 </a:solidFill>
@@ -12970,7 +12903,7 @@
           <a:blip r:embed="rId6">
             <a:extLst>
               <a:ext uri="{28A0092B-C50C-407E-A947-70E740481C1C}">
-                <a14:useLocalDpi xmlns:a14="http://schemas.microsoft.com/office/drawing/2010/main" val="0"/>
+                <a14:useLocalDpi xmlns:a14="http://schemas.microsoft.com/office/drawing/2010/main" xmlns="" val="0"/>
               </a:ext>
             </a:extLst>
           </a:blip>
@@ -12990,7 +12923,7 @@
           <a:noFill/>
           <a:extLst>
             <a:ext uri="{909E8E84-426E-40DD-AFC4-6F175D3DCCD1}">
-              <a14:hiddenFill xmlns:a14="http://schemas.microsoft.com/office/drawing/2010/main">
+              <a14:hiddenFill xmlns:a14="http://schemas.microsoft.com/office/drawing/2010/main" xmlns="">
                 <a:solidFill>
                   <a:srgbClr val="FFFFFF"/>
                 </a:solidFill>
@@ -13002,7 +12935,7 @@
     </p:spTree>
     <p:extLst>
       <p:ext uri="{BB962C8B-B14F-4D97-AF65-F5344CB8AC3E}">
-        <p14:creationId xmlns:p14="http://schemas.microsoft.com/office/powerpoint/2010/main" val="2570928038"/>
+        <p14:creationId xmlns:p14="http://schemas.microsoft.com/office/powerpoint/2010/main" xmlns="" val="2570928038"/>
       </p:ext>
     </p:extLst>
   </p:cSld>
@@ -13066,17 +12999,7 @@
                   </a:schemeClr>
                 </a:solidFill>
               </a:rPr>
-              <a:t>Ch04. </a:t>
-            </a:r>
-            <a:r>
-              <a:rPr lang="en-US" altLang="ko-KR" sz="4000" b="1" spc="-250" dirty="0" smtClean="0">
-                <a:solidFill>
-                  <a:schemeClr val="accent4">
-                    <a:lumMod val="50000"/>
-                  </a:schemeClr>
-                </a:solidFill>
-              </a:rPr>
-              <a:t>Review</a:t>
+              <a:t>Ch04. Review</a:t>
             </a:r>
             <a:endParaRPr lang="ko-KR" altLang="en-US" sz="4000" b="1" spc="-250" dirty="0">
               <a:solidFill>
@@ -13128,7 +13051,7 @@
     </p:spTree>
     <p:extLst>
       <p:ext uri="{BB962C8B-B14F-4D97-AF65-F5344CB8AC3E}">
-        <p14:creationId xmlns:p14="http://schemas.microsoft.com/office/powerpoint/2010/main" val="4096034689"/>
+        <p14:creationId xmlns:p14="http://schemas.microsoft.com/office/powerpoint/2010/main" xmlns="" val="4096034689"/>
       </p:ext>
     </p:extLst>
   </p:cSld>
@@ -13899,14 +13822,13 @@
               <a:rPr lang="en-US" altLang="ko-KR" sz="1400" dirty="0" smtClean="0"/>
               <a:t> </a:t>
             </a:r>
-            <a:endParaRPr lang="en-US" altLang="ko-KR" sz="1400" dirty="0" smtClean="0"/>
           </a:p>
         </p:txBody>
       </p:sp>
     </p:spTree>
     <p:extLst>
       <p:ext uri="{BB962C8B-B14F-4D97-AF65-F5344CB8AC3E}">
-        <p14:creationId xmlns:p14="http://schemas.microsoft.com/office/powerpoint/2010/main" val="1909599959"/>
+        <p14:creationId xmlns:p14="http://schemas.microsoft.com/office/powerpoint/2010/main" xmlns="" val="1909599959"/>
       </p:ext>
     </p:extLst>
   </p:cSld>
@@ -14958,17 +14880,17 @@
               <a:t>를 </a:t>
             </a:r>
             <a:r>
-              <a:rPr lang="ko-KR" altLang="en-US" sz="1600" spc="-150" dirty="0" err="1">
-                <a:ln w="0"/>
-                <a:effectLst>
-                  <a:outerShdw blurRad="38100" dist="19050" dir="2700000" algn="tl" rotWithShape="0">
-                    <a:schemeClr val="dk1">
-                      <a:alpha val="40000"/>
-                    </a:schemeClr>
-                  </a:outerShdw>
-                </a:effectLst>
-              </a:rPr>
-              <a:t>안쓰고도</a:t>
+              <a:rPr lang="ko-KR" altLang="en-US" sz="1600" spc="-150" dirty="0" smtClean="0">
+                <a:ln w="0"/>
+                <a:effectLst>
+                  <a:outerShdw blurRad="38100" dist="19050" dir="2700000" algn="tl" rotWithShape="0">
+                    <a:schemeClr val="dk1">
+                      <a:alpha val="40000"/>
+                    </a:schemeClr>
+                  </a:outerShdw>
+                </a:effectLst>
+              </a:rPr>
+              <a:t>안 쓰고도 </a:t>
             </a:r>
             <a:r>
               <a:rPr lang="ko-KR" altLang="en-US" sz="1600" spc="-150" dirty="0">
@@ -14981,7 +14903,7 @@
                   </a:outerShdw>
                 </a:effectLst>
               </a:rPr>
-              <a:t> 목록과 반복자를 만드는 간결하고 효율적인 방법으로 사용할 수 있다</a:t>
+              <a:t>목록과 반복자를 만드는 간결하고 효율적인 방법으로 사용할 수 있다</a:t>
             </a:r>
             <a:r>
               <a:rPr lang="en-US" altLang="ko-KR" sz="1600" spc="-150" dirty="0" smtClean="0">
@@ -15068,17 +14990,17 @@
               <a:t>함수 </a:t>
             </a:r>
             <a:r>
-              <a:rPr lang="ko-KR" altLang="en-US" sz="1600" spc="-150" dirty="0" err="1">
-                <a:ln w="0"/>
-                <a:effectLst>
-                  <a:outerShdw blurRad="38100" dist="19050" dir="2700000" algn="tl" rotWithShape="0">
-                    <a:schemeClr val="dk1">
-                      <a:alpha val="40000"/>
-                    </a:schemeClr>
-                  </a:outerShdw>
-                </a:effectLst>
-              </a:rPr>
-              <a:t>선언시</a:t>
+              <a:rPr lang="ko-KR" altLang="en-US" sz="1600" spc="-150" dirty="0" smtClean="0">
+                <a:ln w="0"/>
+                <a:effectLst>
+                  <a:outerShdw blurRad="38100" dist="19050" dir="2700000" algn="tl" rotWithShape="0">
+                    <a:schemeClr val="dk1">
+                      <a:alpha val="40000"/>
+                    </a:schemeClr>
+                  </a:outerShdw>
+                </a:effectLst>
+              </a:rPr>
+              <a:t>선언 시 </a:t>
             </a:r>
             <a:r>
               <a:rPr lang="ko-KR" altLang="en-US" sz="1600" spc="-150" dirty="0">
@@ -15091,7 +15013,7 @@
                   </a:outerShdw>
                 </a:effectLst>
               </a:rPr>
-              <a:t> 기본값을 넣어주는 건 대부분의 상황에서 허용된다</a:t>
+              <a:t>기본값을 넣어주는 건 대부분의 상황에서 허용된다</a:t>
             </a:r>
             <a:r>
               <a:rPr lang="en-US" altLang="ko-KR" sz="1600" spc="-150" dirty="0">
@@ -15225,16 +15147,6 @@
               </a:rPr>
               <a:t>.</a:t>
             </a:r>
-            <a:endParaRPr lang="en-US" altLang="ko-KR" sz="1600" spc="-150" dirty="0">
-              <a:ln w="0"/>
-              <a:effectLst>
-                <a:outerShdw blurRad="38100" dist="19050" dir="2700000" algn="tl" rotWithShape="0">
-                  <a:schemeClr val="dk1">
-                    <a:alpha val="40000"/>
-                  </a:schemeClr>
-                </a:outerShdw>
-              </a:effectLst>
-            </a:endParaRPr>
           </a:p>
         </p:txBody>
       </p:sp>
@@ -15264,7 +15176,7 @@
             <a:blip r:embed="rId3" cstate="print">
               <a:extLst>
                 <a:ext uri="{28A0092B-C50C-407E-A947-70E740481C1C}">
-                  <a14:useLocalDpi xmlns:a14="http://schemas.microsoft.com/office/drawing/2010/main" val="0"/>
+                  <a14:useLocalDpi xmlns:a14="http://schemas.microsoft.com/office/drawing/2010/main" xmlns="" val="0"/>
                 </a:ext>
               </a:extLst>
             </a:blip>
@@ -15284,7 +15196,7 @@
             <a:noFill/>
             <a:extLst>
               <a:ext uri="{909E8E84-426E-40DD-AFC4-6F175D3DCCD1}">
-                <a14:hiddenFill xmlns:a14="http://schemas.microsoft.com/office/drawing/2010/main">
+                <a14:hiddenFill xmlns:a14="http://schemas.microsoft.com/office/drawing/2010/main" xmlns="">
                   <a:solidFill>
                     <a:srgbClr val="FFFFFF"/>
                   </a:solidFill>
@@ -15400,13 +15312,6 @@
               </a:rPr>
               <a:t>  Lexical Scoping </a:t>
             </a:r>
-            <a:endParaRPr lang="en-US" altLang="ko-KR" sz="1600" b="1" spc="-150" dirty="0">
-              <a:solidFill>
-                <a:srgbClr val="0070C0"/>
-              </a:solidFill>
-              <a:latin typeface="맑은 고딕" pitchFamily="50" charset="-127"/>
-              <a:ea typeface="맑은 고딕" pitchFamily="50" charset="-127"/>
-            </a:endParaRPr>
           </a:p>
           <a:p>
             <a:r>
@@ -15914,7 +15819,7 @@
     </p:spTree>
     <p:extLst>
       <p:ext uri="{BB962C8B-B14F-4D97-AF65-F5344CB8AC3E}">
-        <p14:creationId xmlns:p14="http://schemas.microsoft.com/office/powerpoint/2010/main" val="2825898292"/>
+        <p14:creationId xmlns:p14="http://schemas.microsoft.com/office/powerpoint/2010/main" xmlns="" val="2825898292"/>
       </p:ext>
     </p:extLst>
   </p:cSld>
@@ -16593,17 +16498,17 @@
               <a:t>   </a:t>
             </a:r>
             <a:r>
-              <a:rPr lang="ko-KR" altLang="en-US" sz="1600" spc="-150" dirty="0" err="1">
-                <a:ln w="0"/>
-                <a:effectLst>
-                  <a:outerShdw blurRad="38100" dist="19050" dir="2700000" algn="tl" rotWithShape="0">
-                    <a:schemeClr val="dk1">
-                      <a:alpha val="40000"/>
-                    </a:schemeClr>
-                  </a:outerShdw>
-                </a:effectLst>
-              </a:rPr>
-              <a:t>첫문자는</a:t>
+              <a:rPr lang="ko-KR" altLang="en-US" sz="1600" spc="-150" dirty="0" smtClean="0">
+                <a:ln w="0"/>
+                <a:effectLst>
+                  <a:outerShdw blurRad="38100" dist="19050" dir="2700000" algn="tl" rotWithShape="0">
+                    <a:schemeClr val="dk1">
+                      <a:alpha val="40000"/>
+                    </a:schemeClr>
+                  </a:outerShdw>
+                </a:effectLst>
+              </a:rPr>
+              <a:t>첫 문자는 </a:t>
             </a:r>
             <a:r>
               <a:rPr lang="ko-KR" altLang="en-US" sz="1600" spc="-150" dirty="0">
@@ -16616,7 +16521,7 @@
                   </a:outerShdw>
                 </a:effectLst>
               </a:rPr>
-              <a:t> 대문자로</a:t>
+              <a:t>대문자로</a:t>
             </a:r>
             <a:r>
               <a:rPr lang="en-US" altLang="ko-KR" sz="1600" spc="-150" dirty="0">
@@ -16658,17 +16563,17 @@
               <a:t>. </a:t>
             </a:r>
             <a:r>
-              <a:rPr lang="ko-KR" altLang="en-US" sz="1600" spc="-150" dirty="0" err="1">
-                <a:ln w="0"/>
-                <a:effectLst>
-                  <a:outerShdw blurRad="38100" dist="19050" dir="2700000" algn="tl" rotWithShape="0">
-                    <a:schemeClr val="dk1">
-                      <a:alpha val="40000"/>
-                    </a:schemeClr>
-                  </a:outerShdw>
-                </a:effectLst>
-              </a:rPr>
-              <a:t>두번째줄</a:t>
+              <a:rPr lang="ko-KR" altLang="en-US" sz="1600" spc="-150" dirty="0" smtClean="0">
+                <a:ln w="0"/>
+                <a:effectLst>
+                  <a:outerShdw blurRad="38100" dist="19050" dir="2700000" algn="tl" rotWithShape="0">
+                    <a:schemeClr val="dk1">
+                      <a:alpha val="40000"/>
+                    </a:schemeClr>
+                  </a:outerShdw>
+                </a:effectLst>
+              </a:rPr>
+              <a:t>두 번째 줄 </a:t>
             </a:r>
             <a:r>
               <a:rPr lang="ko-KR" altLang="en-US" sz="1600" spc="-150" dirty="0">
@@ -16681,7 +16586,7 @@
                   </a:outerShdw>
                 </a:effectLst>
               </a:rPr>
-              <a:t> 비우고</a:t>
+              <a:t>비우고</a:t>
             </a:r>
             <a:r>
               <a:rPr lang="en-US" altLang="ko-KR" sz="1600" spc="-150" dirty="0">
@@ -16697,17 +16602,17 @@
               <a:t>, </a:t>
             </a:r>
             <a:r>
-              <a:rPr lang="ko-KR" altLang="en-US" sz="1600" spc="-150" dirty="0" err="1">
-                <a:ln w="0"/>
-                <a:effectLst>
-                  <a:outerShdw blurRad="38100" dist="19050" dir="2700000" algn="tl" rotWithShape="0">
-                    <a:schemeClr val="dk1">
-                      <a:alpha val="40000"/>
-                    </a:schemeClr>
-                  </a:outerShdw>
-                </a:effectLst>
-              </a:rPr>
-              <a:t>세번째</a:t>
+              <a:rPr lang="ko-KR" altLang="en-US" sz="1600" spc="-150" dirty="0" smtClean="0">
+                <a:ln w="0"/>
+                <a:effectLst>
+                  <a:outerShdw blurRad="38100" dist="19050" dir="2700000" algn="tl" rotWithShape="0">
+                    <a:schemeClr val="dk1">
+                      <a:alpha val="40000"/>
+                    </a:schemeClr>
+                  </a:outerShdw>
+                </a:effectLst>
+              </a:rPr>
+              <a:t>세 번째 </a:t>
             </a:r>
             <a:r>
               <a:rPr lang="ko-KR" altLang="en-US" sz="1600" spc="-150" dirty="0">
@@ -16720,7 +16625,7 @@
                   </a:outerShdw>
                 </a:effectLst>
               </a:rPr>
-              <a:t> 줄은 세부기능 표시</a:t>
+              <a:t>줄은 세부기능 표시</a:t>
             </a:r>
           </a:p>
           <a:p>
@@ -17185,7 +17090,7 @@
             <a:blip r:embed="rId3" cstate="print">
               <a:extLst>
                 <a:ext uri="{28A0092B-C50C-407E-A947-70E740481C1C}">
-                  <a14:useLocalDpi xmlns:a14="http://schemas.microsoft.com/office/drawing/2010/main" val="0"/>
+                  <a14:useLocalDpi xmlns:a14="http://schemas.microsoft.com/office/drawing/2010/main" xmlns="" val="0"/>
                 </a:ext>
               </a:extLst>
             </a:blip>
@@ -17205,7 +17110,7 @@
             <a:noFill/>
             <a:extLst>
               <a:ext uri="{909E8E84-426E-40DD-AFC4-6F175D3DCCD1}">
-                <a14:hiddenFill xmlns:a14="http://schemas.microsoft.com/office/drawing/2010/main">
+                <a14:hiddenFill xmlns:a14="http://schemas.microsoft.com/office/drawing/2010/main" xmlns="">
                   <a:solidFill>
                     <a:srgbClr val="FFFFFF"/>
                   </a:solidFill>
@@ -17681,16 +17586,6 @@
               </a:rPr>
               <a:t>.</a:t>
             </a:r>
-            <a:endParaRPr lang="en-US" altLang="ko-KR" sz="1600" spc="-150" dirty="0">
-              <a:ln w="0"/>
-              <a:effectLst>
-                <a:outerShdw blurRad="38100" dist="19050" dir="2700000" algn="tl" rotWithShape="0">
-                  <a:schemeClr val="dk1">
-                    <a:alpha val="40000"/>
-                  </a:schemeClr>
-                </a:outerShdw>
-              </a:effectLst>
-            </a:endParaRPr>
           </a:p>
         </p:txBody>
       </p:sp>
@@ -17773,7 +17668,7 @@
     </p:spTree>
     <p:extLst>
       <p:ext uri="{BB962C8B-B14F-4D97-AF65-F5344CB8AC3E}">
-        <p14:creationId xmlns:p14="http://schemas.microsoft.com/office/powerpoint/2010/main" val="1299867844"/>
+        <p14:creationId xmlns:p14="http://schemas.microsoft.com/office/powerpoint/2010/main" xmlns="" val="1299867844"/>
       </p:ext>
     </p:extLst>
   </p:cSld>
@@ -18099,11 +17994,6 @@
               </a:rPr>
               <a:t>Ch05. Function</a:t>
             </a:r>
-            <a:endParaRPr lang="en-US" altLang="ko-KR" sz="1000" dirty="0">
-              <a:solidFill>
-                <a:schemeClr val="bg1"/>
-              </a:solidFill>
-            </a:endParaRPr>
           </a:p>
         </p:txBody>
       </p:sp>
@@ -18495,19 +18385,6 @@
               <a:t>함수가 </a:t>
             </a:r>
             <a:r>
-              <a:rPr lang="ko-KR" altLang="en-US" sz="1600" spc="-150" dirty="0" err="1" smtClean="0">
-                <a:ln w="0"/>
-                <a:effectLst>
-                  <a:outerShdw blurRad="38100" dist="19050" dir="2700000" algn="tl" rotWithShape="0">
-                    <a:schemeClr val="dk1">
-                      <a:alpha val="40000"/>
-                    </a:schemeClr>
-                  </a:outerShdw>
-                </a:effectLst>
-              </a:rPr>
-              <a:t>실행중</a:t>
-            </a:r>
-            <a:r>
               <a:rPr lang="ko-KR" altLang="en-US" sz="1600" spc="-150" dirty="0" smtClean="0">
                 <a:ln w="0"/>
                 <a:effectLst>
@@ -18518,7 +18395,7 @@
                   </a:outerShdw>
                 </a:effectLst>
               </a:rPr>
-              <a:t> </a:t>
+              <a:t>실행 중 </a:t>
             </a:r>
             <a:r>
               <a:rPr lang="en-US" altLang="ko-KR" sz="1600" spc="-150" dirty="0" smtClean="0">
@@ -18573,17 +18450,17 @@
               <a:t>해당 함수는 그 상태로 </a:t>
             </a:r>
             <a:r>
-              <a:rPr lang="ko-KR" altLang="en-US" sz="1600" spc="-150" dirty="0" err="1" smtClean="0">
-                <a:ln w="0"/>
-                <a:effectLst>
-                  <a:outerShdw blurRad="38100" dist="19050" dir="2700000" algn="tl" rotWithShape="0">
-                    <a:schemeClr val="dk1">
-                      <a:alpha val="40000"/>
-                    </a:schemeClr>
-                  </a:outerShdw>
-                </a:effectLst>
-              </a:rPr>
-              <a:t>일시정지되며</a:t>
+              <a:rPr lang="ko-KR" altLang="en-US" sz="1600" spc="-150" dirty="0" smtClean="0">
+                <a:ln w="0"/>
+                <a:effectLst>
+                  <a:outerShdw blurRad="38100" dist="19050" dir="2700000" algn="tl" rotWithShape="0">
+                    <a:schemeClr val="dk1">
+                      <a:alpha val="40000"/>
+                    </a:schemeClr>
+                  </a:outerShdw>
+                </a:effectLst>
+              </a:rPr>
+              <a:t>일시 정지되며</a:t>
             </a:r>
             <a:r>
               <a:rPr lang="en-US" altLang="ko-KR" sz="1600" spc="-150" dirty="0" smtClean="0">
@@ -18854,7 +18731,7 @@
               <a:t>1. </a:t>
             </a:r>
             <a:r>
-              <a:rPr lang="ko-KR" altLang="en-US" sz="1600" spc="-150" dirty="0" err="1" smtClean="0">
+              <a:rPr lang="ko-KR" altLang="en-US" sz="1600" spc="-150" dirty="0" smtClean="0">
                 <a:ln w="0"/>
                 <a:effectLst>
                   <a:outerShdw blurRad="38100" dist="19050" dir="2700000" algn="tl" rotWithShape="0">
@@ -18865,7 +18742,7 @@
                 </a:effectLst>
                 <a:ea typeface="맑은 고딕" panose="020B0503020000020004" pitchFamily="50" charset="-127"/>
               </a:rPr>
-              <a:t>반복연산시</a:t>
+              <a:t>반복연산 시</a:t>
             </a:r>
             <a:r>
               <a:rPr lang="en-US" altLang="ko-KR" sz="1600" spc="-150" dirty="0" smtClean="0">
@@ -18926,20 +18803,7 @@
                   </a:outerShdw>
                 </a:effectLst>
               </a:rPr>
-              <a:t>쓰는 </a:t>
-            </a:r>
-            <a:r>
-              <a:rPr lang="ko-KR" altLang="en-US" sz="1600" spc="-150" dirty="0" smtClean="0">
-                <a:ln w="0"/>
-                <a:effectLst>
-                  <a:outerShdw blurRad="38100" dist="19050" dir="2700000" algn="tl" rotWithShape="0">
-                    <a:schemeClr val="dk1">
-                      <a:alpha val="40000"/>
-                    </a:schemeClr>
-                  </a:outerShdw>
-                </a:effectLst>
-              </a:rPr>
-              <a:t>이유</a:t>
+              <a:t>쓰는 이유</a:t>
             </a:r>
             <a:r>
               <a:rPr lang="en-US" altLang="ko-KR" sz="1600" spc="-150" dirty="0" smtClean="0">
@@ -18955,7 +18819,7 @@
               <a:t>2. Lazy </a:t>
             </a:r>
             <a:r>
-              <a:rPr lang="en-US" altLang="ko-KR" sz="1600" spc="-150" dirty="0">
+              <a:rPr lang="en-US" altLang="ko-KR" sz="1600" spc="-150" dirty="0" smtClean="0">
                 <a:ln w="0"/>
                 <a:effectLst>
                   <a:outerShdw blurRad="38100" dist="19050" dir="2700000" algn="tl" rotWithShape="0">
@@ -19433,7 +19297,7 @@
             <a:blip r:embed="rId6" cstate="print">
               <a:extLst>
                 <a:ext uri="{28A0092B-C50C-407E-A947-70E740481C1C}">
-                  <a14:useLocalDpi xmlns:a14="http://schemas.microsoft.com/office/drawing/2010/main" val="0"/>
+                  <a14:useLocalDpi xmlns:a14="http://schemas.microsoft.com/office/drawing/2010/main" xmlns="" val="0"/>
                 </a:ext>
               </a:extLst>
             </a:blip>
@@ -19453,7 +19317,7 @@
             <a:noFill/>
             <a:extLst>
               <a:ext uri="{909E8E84-426E-40DD-AFC4-6F175D3DCCD1}">
-                <a14:hiddenFill xmlns:a14="http://schemas.microsoft.com/office/drawing/2010/main">
+                <a14:hiddenFill xmlns:a14="http://schemas.microsoft.com/office/drawing/2010/main" xmlns="">
                   <a:solidFill>
                     <a:srgbClr val="FFFFFF"/>
                   </a:solidFill>
@@ -19513,7 +19377,7 @@
     </p:spTree>
     <p:extLst>
       <p:ext uri="{BB962C8B-B14F-4D97-AF65-F5344CB8AC3E}">
-        <p14:creationId xmlns:p14="http://schemas.microsoft.com/office/powerpoint/2010/main" val="1876871904"/>
+        <p14:creationId xmlns:p14="http://schemas.microsoft.com/office/powerpoint/2010/main" xmlns="" val="1876871904"/>
       </p:ext>
     </p:extLst>
   </p:cSld>
@@ -19767,12 +19631,6 @@
               </a:rPr>
               <a:t>된 함수의 앞뒤에 추가적으로 꾸며질 구문 들을 정의해서 손쉽게 재사용 가능하게 해주는 것</a:t>
             </a:r>
-            <a:endParaRPr lang="ko-KR" altLang="en-US" sz="1600" b="1" spc="-150" dirty="0">
-              <a:solidFill>
-                <a:srgbClr val="000000"/>
-              </a:solidFill>
-              <a:latin typeface="맑은 고딕" pitchFamily="50" charset="-127"/>
-            </a:endParaRPr>
           </a:p>
         </p:txBody>
       </p:sp>
@@ -19848,11 +19706,6 @@
               </a:rPr>
               <a:t>Ch05. Function</a:t>
             </a:r>
-            <a:endParaRPr lang="en-US" altLang="ko-KR" sz="1000" dirty="0">
-              <a:solidFill>
-                <a:schemeClr val="bg1"/>
-              </a:solidFill>
-            </a:endParaRPr>
           </a:p>
         </p:txBody>
       </p:sp>
@@ -20086,7 +19939,7 @@
             <a:blip r:embed="rId5" cstate="print">
               <a:extLst>
                 <a:ext uri="{28A0092B-C50C-407E-A947-70E740481C1C}">
-                  <a14:useLocalDpi xmlns:a14="http://schemas.microsoft.com/office/drawing/2010/main" val="0"/>
+                  <a14:useLocalDpi xmlns:a14="http://schemas.microsoft.com/office/drawing/2010/main" xmlns="" val="0"/>
                 </a:ext>
               </a:extLst>
             </a:blip>
@@ -20106,7 +19959,7 @@
             <a:noFill/>
             <a:extLst>
               <a:ext uri="{909E8E84-426E-40DD-AFC4-6F175D3DCCD1}">
-                <a14:hiddenFill xmlns:a14="http://schemas.microsoft.com/office/drawing/2010/main">
+                <a14:hiddenFill xmlns:a14="http://schemas.microsoft.com/office/drawing/2010/main" xmlns="">
                   <a:solidFill>
                     <a:srgbClr val="FFFFFF"/>
                   </a:solidFill>
@@ -20290,7 +20143,7 @@
     </p:spTree>
     <p:extLst>
       <p:ext uri="{BB962C8B-B14F-4D97-AF65-F5344CB8AC3E}">
-        <p14:creationId xmlns:p14="http://schemas.microsoft.com/office/powerpoint/2010/main" val="741895481"/>
+        <p14:creationId xmlns:p14="http://schemas.microsoft.com/office/powerpoint/2010/main" xmlns="" val="741895481"/>
       </p:ext>
     </p:extLst>
   </p:cSld>
@@ -20625,11 +20478,6 @@
               </a:rPr>
               <a:t>Ch05. Function</a:t>
             </a:r>
-            <a:endParaRPr lang="en-US" altLang="ko-KR" sz="1000" dirty="0">
-              <a:solidFill>
-                <a:schemeClr val="bg1"/>
-              </a:solidFill>
-            </a:endParaRPr>
           </a:p>
         </p:txBody>
       </p:sp>
@@ -20863,7 +20711,7 @@
             <a:blip r:embed="rId5" cstate="print">
               <a:extLst>
                 <a:ext uri="{28A0092B-C50C-407E-A947-70E740481C1C}">
-                  <a14:useLocalDpi xmlns:a14="http://schemas.microsoft.com/office/drawing/2010/main" val="0"/>
+                  <a14:useLocalDpi xmlns:a14="http://schemas.microsoft.com/office/drawing/2010/main" xmlns="" val="0"/>
                 </a:ext>
               </a:extLst>
             </a:blip>
@@ -20883,7 +20731,7 @@
             <a:noFill/>
             <a:extLst>
               <a:ext uri="{909E8E84-426E-40DD-AFC4-6F175D3DCCD1}">
-                <a14:hiddenFill xmlns:a14="http://schemas.microsoft.com/office/drawing/2010/main">
+                <a14:hiddenFill xmlns:a14="http://schemas.microsoft.com/office/drawing/2010/main" xmlns="">
                   <a:solidFill>
                     <a:srgbClr val="FFFFFF"/>
                   </a:solidFill>
@@ -21019,7 +20867,7 @@
     </p:spTree>
     <p:extLst>
       <p:ext uri="{BB962C8B-B14F-4D97-AF65-F5344CB8AC3E}">
-        <p14:creationId xmlns:p14="http://schemas.microsoft.com/office/powerpoint/2010/main" val="123308541"/>
+        <p14:creationId xmlns:p14="http://schemas.microsoft.com/office/powerpoint/2010/main" xmlns="" val="123308541"/>
       </p:ext>
     </p:extLst>
   </p:cSld>
@@ -21318,11 +21166,6 @@
               </a:rPr>
               <a:t>Ch05. Function</a:t>
             </a:r>
-            <a:endParaRPr lang="en-US" altLang="ko-KR" sz="1000" dirty="0">
-              <a:solidFill>
-                <a:schemeClr val="bg1"/>
-              </a:solidFill>
-            </a:endParaRPr>
           </a:p>
         </p:txBody>
       </p:sp>
@@ -21544,7 +21387,7 @@
             <a:blip r:embed="rId5" cstate="print">
               <a:extLst>
                 <a:ext uri="{28A0092B-C50C-407E-A947-70E740481C1C}">
-                  <a14:useLocalDpi xmlns:a14="http://schemas.microsoft.com/office/drawing/2010/main" val="0"/>
+                  <a14:useLocalDpi xmlns:a14="http://schemas.microsoft.com/office/drawing/2010/main" xmlns="" val="0"/>
                 </a:ext>
               </a:extLst>
             </a:blip>
@@ -21564,7 +21407,7 @@
             <a:noFill/>
             <a:extLst>
               <a:ext uri="{909E8E84-426E-40DD-AFC4-6F175D3DCCD1}">
-                <a14:hiddenFill xmlns:a14="http://schemas.microsoft.com/office/drawing/2010/main">
+                <a14:hiddenFill xmlns:a14="http://schemas.microsoft.com/office/drawing/2010/main" xmlns="">
                   <a:solidFill>
                     <a:srgbClr val="FFFFFF"/>
                   </a:solidFill>
@@ -22026,7 +21869,7 @@
           <a:blip r:embed="rId9" cstate="print">
             <a:extLst>
               <a:ext uri="{28A0092B-C50C-407E-A947-70E740481C1C}">
-                <a14:useLocalDpi xmlns:a14="http://schemas.microsoft.com/office/drawing/2010/main" val="0"/>
+                <a14:useLocalDpi xmlns:a14="http://schemas.microsoft.com/office/drawing/2010/main" xmlns="" val="0"/>
               </a:ext>
             </a:extLst>
           </a:blip>
@@ -22046,7 +21889,7 @@
           <a:noFill/>
           <a:extLst>
             <a:ext uri="{909E8E84-426E-40DD-AFC4-6F175D3DCCD1}">
-              <a14:hiddenFill xmlns:a14="http://schemas.microsoft.com/office/drawing/2010/main">
+              <a14:hiddenFill xmlns:a14="http://schemas.microsoft.com/office/drawing/2010/main" xmlns="">
                 <a:solidFill>
                   <a:srgbClr val="FFFFFF"/>
                 </a:solidFill>
@@ -22064,10 +21907,10 @@
           <p:nvPr/>
         </p:nvPicPr>
         <p:blipFill>
-          <a:blip r:embed="rId9" cstate="print">
+          <a:blip r:embed="rId10" cstate="print">
             <a:extLst>
               <a:ext uri="{28A0092B-C50C-407E-A947-70E740481C1C}">
-                <a14:useLocalDpi xmlns:a14="http://schemas.microsoft.com/office/drawing/2010/main" val="0"/>
+                <a14:useLocalDpi xmlns:a14="http://schemas.microsoft.com/office/drawing/2010/main" xmlns="" val="0"/>
               </a:ext>
             </a:extLst>
           </a:blip>
@@ -22087,7 +21930,7 @@
           <a:noFill/>
           <a:extLst>
             <a:ext uri="{909E8E84-426E-40DD-AFC4-6F175D3DCCD1}">
-              <a14:hiddenFill xmlns:a14="http://schemas.microsoft.com/office/drawing/2010/main">
+              <a14:hiddenFill xmlns:a14="http://schemas.microsoft.com/office/drawing/2010/main" xmlns="">
                 <a:solidFill>
                   <a:srgbClr val="FFFFFF"/>
                 </a:solidFill>
@@ -22181,7 +22024,7 @@
     </p:spTree>
     <p:extLst>
       <p:ext uri="{BB962C8B-B14F-4D97-AF65-F5344CB8AC3E}">
-        <p14:creationId xmlns:p14="http://schemas.microsoft.com/office/powerpoint/2010/main" val="4166820802"/>
+        <p14:creationId xmlns:p14="http://schemas.microsoft.com/office/powerpoint/2010/main" xmlns="" val="4166820802"/>
       </p:ext>
     </p:extLst>
   </p:cSld>
@@ -22435,11 +22278,6 @@
               </a:rPr>
               <a:t>Ch05. Function</a:t>
             </a:r>
-            <a:endParaRPr lang="en-US" altLang="ko-KR" sz="1000" dirty="0">
-              <a:solidFill>
-                <a:schemeClr val="bg1"/>
-              </a:solidFill>
-            </a:endParaRPr>
           </a:p>
         </p:txBody>
       </p:sp>
@@ -22596,7 +22434,7 @@
             <a:blip r:embed="rId3" cstate="print">
               <a:extLst>
                 <a:ext uri="{28A0092B-C50C-407E-A947-70E740481C1C}">
-                  <a14:useLocalDpi xmlns:a14="http://schemas.microsoft.com/office/drawing/2010/main" val="0"/>
+                  <a14:useLocalDpi xmlns:a14="http://schemas.microsoft.com/office/drawing/2010/main" xmlns="" val="0"/>
                 </a:ext>
               </a:extLst>
             </a:blip>
@@ -22616,7 +22454,7 @@
             <a:noFill/>
             <a:extLst>
               <a:ext uri="{909E8E84-426E-40DD-AFC4-6F175D3DCCD1}">
-                <a14:hiddenFill xmlns:a14="http://schemas.microsoft.com/office/drawing/2010/main">
+                <a14:hiddenFill xmlns:a14="http://schemas.microsoft.com/office/drawing/2010/main" xmlns="">
                   <a:solidFill>
                     <a:srgbClr val="FFFFFF"/>
                   </a:solidFill>
@@ -22910,7 +22748,7 @@
     </p:spTree>
     <p:extLst>
       <p:ext uri="{BB962C8B-B14F-4D97-AF65-F5344CB8AC3E}">
-        <p14:creationId xmlns:p14="http://schemas.microsoft.com/office/powerpoint/2010/main" val="2751428207"/>
+        <p14:creationId xmlns:p14="http://schemas.microsoft.com/office/powerpoint/2010/main" xmlns="" val="2751428207"/>
       </p:ext>
     </p:extLst>
   </p:cSld>
@@ -23164,11 +23002,6 @@
               </a:rPr>
               <a:t>Ch05. Function</a:t>
             </a:r>
-            <a:endParaRPr lang="en-US" altLang="ko-KR" sz="1000" dirty="0">
-              <a:solidFill>
-                <a:schemeClr val="bg1"/>
-              </a:solidFill>
-            </a:endParaRPr>
           </a:p>
         </p:txBody>
       </p:sp>
@@ -23325,7 +23158,7 @@
             <a:blip r:embed="rId3" cstate="print">
               <a:extLst>
                 <a:ext uri="{28A0092B-C50C-407E-A947-70E740481C1C}">
-                  <a14:useLocalDpi xmlns:a14="http://schemas.microsoft.com/office/drawing/2010/main" val="0"/>
+                  <a14:useLocalDpi xmlns:a14="http://schemas.microsoft.com/office/drawing/2010/main" xmlns="" val="0"/>
                 </a:ext>
               </a:extLst>
             </a:blip>
@@ -23345,7 +23178,7 @@
             <a:noFill/>
             <a:extLst>
               <a:ext uri="{909E8E84-426E-40DD-AFC4-6F175D3DCCD1}">
-                <a14:hiddenFill xmlns:a14="http://schemas.microsoft.com/office/drawing/2010/main">
+                <a14:hiddenFill xmlns:a14="http://schemas.microsoft.com/office/drawing/2010/main" xmlns="">
                   <a:solidFill>
                     <a:srgbClr val="FFFFFF"/>
                   </a:solidFill>
@@ -23639,7 +23472,7 @@
     </p:spTree>
     <p:extLst>
       <p:ext uri="{BB962C8B-B14F-4D97-AF65-F5344CB8AC3E}">
-        <p14:creationId xmlns:p14="http://schemas.microsoft.com/office/powerpoint/2010/main" val="4009827191"/>
+        <p14:creationId xmlns:p14="http://schemas.microsoft.com/office/powerpoint/2010/main" xmlns="" val="4009827191"/>
       </p:ext>
     </p:extLst>
   </p:cSld>
@@ -23755,7 +23588,7 @@
     </p:spTree>
     <p:extLst>
       <p:ext uri="{BB962C8B-B14F-4D97-AF65-F5344CB8AC3E}">
-        <p14:creationId xmlns:p14="http://schemas.microsoft.com/office/powerpoint/2010/main" val="2837525325"/>
+        <p14:creationId xmlns:p14="http://schemas.microsoft.com/office/powerpoint/2010/main" xmlns="" val="2837525325"/>
       </p:ext>
     </p:extLst>
   </p:cSld>
@@ -24435,7 +24268,7 @@
     </p:spTree>
     <p:extLst>
       <p:ext uri="{BB962C8B-B14F-4D97-AF65-F5344CB8AC3E}">
-        <p14:creationId xmlns:p14="http://schemas.microsoft.com/office/powerpoint/2010/main" val="355234287"/>
+        <p14:creationId xmlns:p14="http://schemas.microsoft.com/office/powerpoint/2010/main" xmlns="" val="355234287"/>
       </p:ext>
     </p:extLst>
   </p:cSld>
@@ -24621,11 +24454,6 @@
               </a:rPr>
               <a:t>Ch05. Function</a:t>
             </a:r>
-            <a:endParaRPr lang="en-US" altLang="ko-KR" sz="1000" dirty="0">
-              <a:solidFill>
-                <a:schemeClr val="bg1"/>
-              </a:solidFill>
-            </a:endParaRPr>
           </a:p>
         </p:txBody>
       </p:sp>
@@ -24991,19 +24819,6 @@
               <a:t>적은 비용으로 수정할 수 </a:t>
             </a:r>
             <a:r>
-              <a:rPr lang="ko-KR" altLang="en-US" sz="1600" spc="-150" dirty="0" err="1" smtClean="0">
-                <a:ln w="0"/>
-                <a:effectLst>
-                  <a:outerShdw blurRad="38100" dist="19050" dir="2700000" algn="tl" rotWithShape="0">
-                    <a:schemeClr val="dk1">
-                      <a:alpha val="40000"/>
-                    </a:schemeClr>
-                  </a:outerShdw>
-                </a:effectLst>
-              </a:rPr>
-              <a:t>있도록겉으로</a:t>
-            </a:r>
-            <a:r>
               <a:rPr lang="ko-KR" altLang="en-US" sz="1600" spc="-150" dirty="0" smtClean="0">
                 <a:ln w="0"/>
                 <a:effectLst>
@@ -25014,7 +24829,7 @@
                   </a:outerShdw>
                 </a:effectLst>
               </a:rPr>
-              <a:t> </a:t>
+              <a:t>있도록 겉으로 </a:t>
             </a:r>
             <a:r>
               <a:rPr lang="ko-KR" altLang="en-US" sz="1600" spc="-150" dirty="0">
@@ -25409,7 +25224,7 @@
     </p:spTree>
     <p:extLst>
       <p:ext uri="{BB962C8B-B14F-4D97-AF65-F5344CB8AC3E}">
-        <p14:creationId xmlns:p14="http://schemas.microsoft.com/office/powerpoint/2010/main" val="2948036097"/>
+        <p14:creationId xmlns:p14="http://schemas.microsoft.com/office/powerpoint/2010/main" xmlns="" val="2948036097"/>
       </p:ext>
     </p:extLst>
   </p:cSld>
@@ -25595,11 +25410,6 @@
               </a:rPr>
               <a:t>Ch05. Function</a:t>
             </a:r>
-            <a:endParaRPr lang="en-US" altLang="ko-KR" sz="1000" dirty="0">
-              <a:solidFill>
-                <a:schemeClr val="bg1"/>
-              </a:solidFill>
-            </a:endParaRPr>
           </a:p>
         </p:txBody>
       </p:sp>
@@ -25820,7 +25630,7 @@
           <a:blip r:embed="rId3">
             <a:extLst>
               <a:ext uri="{28A0092B-C50C-407E-A947-70E740481C1C}">
-                <a14:useLocalDpi xmlns:a14="http://schemas.microsoft.com/office/drawing/2010/main" val="0"/>
+                <a14:useLocalDpi xmlns:a14="http://schemas.microsoft.com/office/drawing/2010/main" xmlns="" val="0"/>
               </a:ext>
             </a:extLst>
           </a:blip>
@@ -25840,7 +25650,7 @@
           <a:noFill/>
           <a:extLst>
             <a:ext uri="{909E8E84-426E-40DD-AFC4-6F175D3DCCD1}">
-              <a14:hiddenFill xmlns:a14="http://schemas.microsoft.com/office/drawing/2010/main">
+              <a14:hiddenFill xmlns:a14="http://schemas.microsoft.com/office/drawing/2010/main" xmlns="">
                 <a:solidFill>
                   <a:srgbClr val="FFFFFF"/>
                 </a:solidFill>
@@ -25861,7 +25671,7 @@
           <a:blip r:embed="rId4">
             <a:extLst>
               <a:ext uri="{28A0092B-C50C-407E-A947-70E740481C1C}">
-                <a14:useLocalDpi xmlns:a14="http://schemas.microsoft.com/office/drawing/2010/main" val="0"/>
+                <a14:useLocalDpi xmlns:a14="http://schemas.microsoft.com/office/drawing/2010/main" xmlns="" val="0"/>
               </a:ext>
             </a:extLst>
           </a:blip>
@@ -25881,7 +25691,7 @@
           <a:noFill/>
           <a:extLst>
             <a:ext uri="{909E8E84-426E-40DD-AFC4-6F175D3DCCD1}">
-              <a14:hiddenFill xmlns:a14="http://schemas.microsoft.com/office/drawing/2010/main">
+              <a14:hiddenFill xmlns:a14="http://schemas.microsoft.com/office/drawing/2010/main" xmlns="">
                 <a:solidFill>
                   <a:srgbClr val="FFFFFF"/>
                 </a:solidFill>
@@ -25893,7 +25703,7 @@
     </p:spTree>
     <p:extLst>
       <p:ext uri="{BB962C8B-B14F-4D97-AF65-F5344CB8AC3E}">
-        <p14:creationId xmlns:p14="http://schemas.microsoft.com/office/powerpoint/2010/main" val="1919326740"/>
+        <p14:creationId xmlns:p14="http://schemas.microsoft.com/office/powerpoint/2010/main" xmlns="" val="1919326740"/>
       </p:ext>
     </p:extLst>
   </p:cSld>
@@ -26009,7 +25819,7 @@
     </p:spTree>
     <p:extLst>
       <p:ext uri="{BB962C8B-B14F-4D97-AF65-F5344CB8AC3E}">
-        <p14:creationId xmlns:p14="http://schemas.microsoft.com/office/powerpoint/2010/main" val="3444039648"/>
+        <p14:creationId xmlns:p14="http://schemas.microsoft.com/office/powerpoint/2010/main" xmlns="" val="3444039648"/>
       </p:ext>
     </p:extLst>
   </p:cSld>
@@ -26789,7 +26599,7 @@
     </p:spTree>
     <p:extLst>
       <p:ext uri="{BB962C8B-B14F-4D97-AF65-F5344CB8AC3E}">
-        <p14:creationId xmlns:p14="http://schemas.microsoft.com/office/powerpoint/2010/main" val="2632214025"/>
+        <p14:creationId xmlns:p14="http://schemas.microsoft.com/office/powerpoint/2010/main" xmlns="" val="2632214025"/>
       </p:ext>
     </p:extLst>
   </p:cSld>
@@ -27820,17 +27630,17 @@
               <a:t>String </a:t>
             </a:r>
             <a:r>
-              <a:rPr lang="ko-KR" altLang="en-US" sz="1600" spc="-150" dirty="0" err="1">
-                <a:ln w="0"/>
-                <a:effectLst>
-                  <a:outerShdw blurRad="38100" dist="19050" dir="2700000" algn="tl" rotWithShape="0">
-                    <a:schemeClr val="dk1">
-                      <a:alpha val="40000"/>
-                    </a:schemeClr>
-                  </a:outerShdw>
-                </a:effectLst>
-              </a:rPr>
-              <a:t>연산시</a:t>
+              <a:rPr lang="ko-KR" altLang="en-US" sz="1600" spc="-150" dirty="0" smtClean="0">
+                <a:ln w="0"/>
+                <a:effectLst>
+                  <a:outerShdw blurRad="38100" dist="19050" dir="2700000" algn="tl" rotWithShape="0">
+                    <a:schemeClr val="dk1">
+                      <a:alpha val="40000"/>
+                    </a:schemeClr>
+                  </a:outerShdw>
+                </a:effectLst>
+              </a:rPr>
+              <a:t>연산 시 </a:t>
             </a:r>
             <a:r>
               <a:rPr lang="ko-KR" altLang="en-US" sz="1600" spc="-150" dirty="0">
@@ -27843,7 +27653,7 @@
                   </a:outerShdw>
                 </a:effectLst>
               </a:rPr>
-              <a:t> 메모리 낭비가 </a:t>
+              <a:t>메모리 낭비가 </a:t>
             </a:r>
             <a:r>
               <a:rPr lang="ko-KR" altLang="en-US" sz="1600" spc="-150" dirty="0" smtClean="0">
@@ -27976,17 +27786,30 @@
               <a:t>String </a:t>
             </a:r>
             <a:r>
-              <a:rPr lang="ko-KR" altLang="en-US" sz="1600" spc="-150" dirty="0" err="1">
-                <a:ln w="0"/>
-                <a:effectLst>
-                  <a:outerShdw blurRad="38100" dist="19050" dir="2700000" algn="tl" rotWithShape="0">
-                    <a:schemeClr val="dk1">
-                      <a:alpha val="40000"/>
-                    </a:schemeClr>
-                  </a:outerShdw>
-                </a:effectLst>
-              </a:rPr>
-              <a:t>연산시</a:t>
+              <a:rPr lang="ko-KR" altLang="en-US" sz="1600" spc="-150" dirty="0" smtClean="0">
+                <a:ln w="0"/>
+                <a:effectLst>
+                  <a:outerShdw blurRad="38100" dist="19050" dir="2700000" algn="tl" rotWithShape="0">
+                    <a:schemeClr val="dk1">
+                      <a:alpha val="40000"/>
+                    </a:schemeClr>
+                  </a:outerShdw>
+                </a:effectLst>
+              </a:rPr>
+              <a:t>연산 시 </a:t>
+            </a:r>
+            <a:r>
+              <a:rPr lang="en-US" altLang="ko-KR" sz="1600" spc="-150" dirty="0">
+                <a:ln w="0"/>
+                <a:effectLst>
+                  <a:outerShdw blurRad="38100" dist="19050" dir="2700000" algn="tl" rotWithShape="0">
+                    <a:schemeClr val="dk1">
+                      <a:alpha val="40000"/>
+                    </a:schemeClr>
+                  </a:outerShdw>
+                </a:effectLst>
+              </a:rPr>
+              <a:t>+</a:t>
             </a:r>
             <a:r>
               <a:rPr lang="ko-KR" altLang="en-US" sz="1600" spc="-150" dirty="0">
@@ -27999,7 +27822,7 @@
                   </a:outerShdw>
                 </a:effectLst>
               </a:rPr>
-              <a:t> </a:t>
+              <a:t>연산자와 </a:t>
             </a:r>
             <a:r>
               <a:rPr lang="en-US" altLang="ko-KR" sz="1600" spc="-150" dirty="0">
@@ -28012,7 +27835,7 @@
                   </a:outerShdw>
                 </a:effectLst>
               </a:rPr>
-              <a:t>+</a:t>
+              <a:t>+= </a:t>
             </a:r>
             <a:r>
               <a:rPr lang="ko-KR" altLang="en-US" sz="1600" spc="-150" dirty="0">
@@ -28025,7 +27848,7 @@
                   </a:outerShdw>
                 </a:effectLst>
               </a:rPr>
-              <a:t>연산자와 </a:t>
+              <a:t>연산자는 피한다</a:t>
             </a:r>
             <a:r>
               <a:rPr lang="en-US" altLang="ko-KR" sz="1600" spc="-150" dirty="0">
@@ -28038,7 +27861,22 @@
                   </a:outerShdw>
                 </a:effectLst>
               </a:rPr>
-              <a:t>+= </a:t>
+              <a:t>. </a:t>
+            </a:r>
+          </a:p>
+          <a:p>
+            <a:r>
+              <a:rPr lang="en-US" altLang="ko-KR" sz="1600" spc="-150" dirty="0">
+                <a:ln w="0"/>
+                <a:effectLst>
+                  <a:outerShdw blurRad="38100" dist="19050" dir="2700000" algn="tl" rotWithShape="0">
+                    <a:schemeClr val="dk1">
+                      <a:alpha val="40000"/>
+                    </a:schemeClr>
+                  </a:outerShdw>
+                </a:effectLst>
+              </a:rPr>
+              <a:t>   </a:t>
             </a:r>
             <a:r>
               <a:rPr lang="ko-KR" altLang="en-US" sz="1600" spc="-150" dirty="0">
@@ -28051,7 +27889,7 @@
                   </a:outerShdw>
                 </a:effectLst>
               </a:rPr>
-              <a:t>연산자는 피한다</a:t>
+              <a:t>두 줄 이상의 </a:t>
             </a:r>
             <a:r>
               <a:rPr lang="en-US" altLang="ko-KR" sz="1600" spc="-150" dirty="0">
@@ -28064,22 +27902,7 @@
                   </a:outerShdw>
                 </a:effectLst>
               </a:rPr>
-              <a:t>. </a:t>
-            </a:r>
-          </a:p>
-          <a:p>
-            <a:r>
-              <a:rPr lang="en-US" altLang="ko-KR" sz="1600" spc="-150" dirty="0">
-                <a:ln w="0"/>
-                <a:effectLst>
-                  <a:outerShdw blurRad="38100" dist="19050" dir="2700000" algn="tl" rotWithShape="0">
-                    <a:schemeClr val="dk1">
-                      <a:alpha val="40000"/>
-                    </a:schemeClr>
-                  </a:outerShdw>
-                </a:effectLst>
-              </a:rPr>
-              <a:t>   </a:t>
+              <a:t>String</a:t>
             </a:r>
             <a:r>
               <a:rPr lang="ko-KR" altLang="en-US" sz="1600" spc="-150" dirty="0">
@@ -28092,59 +27915,20 @@
                   </a:outerShdw>
                 </a:effectLst>
               </a:rPr>
-              <a:t>두 줄 이상의 </a:t>
-            </a:r>
-            <a:r>
-              <a:rPr lang="en-US" altLang="ko-KR" sz="1600" spc="-150" dirty="0">
-                <a:ln w="0"/>
-                <a:effectLst>
-                  <a:outerShdw blurRad="38100" dist="19050" dir="2700000" algn="tl" rotWithShape="0">
-                    <a:schemeClr val="dk1">
-                      <a:alpha val="40000"/>
-                    </a:schemeClr>
-                  </a:outerShdw>
-                </a:effectLst>
-              </a:rPr>
-              <a:t>String</a:t>
-            </a:r>
-            <a:r>
-              <a:rPr lang="ko-KR" altLang="en-US" sz="1600" spc="-150" dirty="0">
-                <a:ln w="0"/>
-                <a:effectLst>
-                  <a:outerShdw blurRad="38100" dist="19050" dir="2700000" algn="tl" rotWithShape="0">
-                    <a:schemeClr val="dk1">
-                      <a:alpha val="40000"/>
-                    </a:schemeClr>
-                  </a:outerShdw>
-                </a:effectLst>
-              </a:rPr>
               <a:t>을 </a:t>
             </a:r>
             <a:r>
-              <a:rPr lang="ko-KR" altLang="en-US" sz="1600" spc="-150" dirty="0" err="1">
-                <a:ln w="0"/>
-                <a:effectLst>
-                  <a:outerShdw blurRad="38100" dist="19050" dir="2700000" algn="tl" rotWithShape="0">
-                    <a:schemeClr val="dk1">
-                      <a:alpha val="40000"/>
-                    </a:schemeClr>
-                  </a:outerShdw>
-                </a:effectLst>
-              </a:rPr>
-              <a:t>사용하는데에</a:t>
-            </a:r>
-            <a:r>
-              <a:rPr lang="ko-KR" altLang="en-US" sz="1600" spc="-150" dirty="0">
-                <a:ln w="0"/>
-                <a:effectLst>
-                  <a:outerShdw blurRad="38100" dist="19050" dir="2700000" algn="tl" rotWithShape="0">
-                    <a:schemeClr val="dk1">
-                      <a:alpha val="40000"/>
-                    </a:schemeClr>
-                  </a:outerShdw>
-                </a:effectLst>
-              </a:rPr>
-              <a:t> </a:t>
+              <a:rPr lang="ko-KR" altLang="en-US" sz="1600" spc="-150" dirty="0" smtClean="0">
+                <a:ln w="0"/>
+                <a:effectLst>
+                  <a:outerShdw blurRad="38100" dist="19050" dir="2700000" algn="tl" rotWithShape="0">
+                    <a:schemeClr val="dk1">
+                      <a:alpha val="40000"/>
+                    </a:schemeClr>
+                  </a:outerShdw>
+                </a:effectLst>
+              </a:rPr>
+              <a:t>사용하는 데에 </a:t>
             </a:r>
             <a:r>
               <a:rPr lang="en-US" altLang="ko-KR" sz="1600" spc="-150" dirty="0">
@@ -28307,7 +28091,7 @@
             <a:blip r:embed="rId3" cstate="print">
               <a:extLst>
                 <a:ext uri="{28A0092B-C50C-407E-A947-70E740481C1C}">
-                  <a14:useLocalDpi xmlns:a14="http://schemas.microsoft.com/office/drawing/2010/main" val="0"/>
+                  <a14:useLocalDpi xmlns:a14="http://schemas.microsoft.com/office/drawing/2010/main" xmlns="" val="0"/>
                 </a:ext>
               </a:extLst>
             </a:blip>
@@ -28327,7 +28111,7 @@
             <a:noFill/>
             <a:extLst>
               <a:ext uri="{909E8E84-426E-40DD-AFC4-6F175D3DCCD1}">
-                <a14:hiddenFill xmlns:a14="http://schemas.microsoft.com/office/drawing/2010/main">
+                <a14:hiddenFill xmlns:a14="http://schemas.microsoft.com/office/drawing/2010/main" xmlns="">
                   <a:solidFill>
                     <a:srgbClr val="FFFFFF"/>
                   </a:solidFill>
@@ -28886,17 +28670,17 @@
               <a:t>, </a:t>
             </a:r>
             <a:r>
-              <a:rPr lang="ko-KR" altLang="en-US" sz="1600" spc="-150" dirty="0" err="1">
-                <a:ln w="0"/>
-                <a:effectLst>
-                  <a:outerShdw blurRad="38100" dist="19050" dir="2700000" algn="tl" rotWithShape="0">
-                    <a:schemeClr val="dk1">
-                      <a:alpha val="40000"/>
-                    </a:schemeClr>
-                  </a:outerShdw>
-                </a:effectLst>
-              </a:rPr>
-              <a:t>참조가능한</a:t>
+              <a:rPr lang="ko-KR" altLang="en-US" sz="1600" spc="-150" dirty="0" smtClean="0">
+                <a:ln w="0"/>
+                <a:effectLst>
+                  <a:outerShdw blurRad="38100" dist="19050" dir="2700000" algn="tl" rotWithShape="0">
+                    <a:schemeClr val="dk1">
+                      <a:alpha val="40000"/>
+                    </a:schemeClr>
+                  </a:outerShdw>
+                </a:effectLst>
+              </a:rPr>
+              <a:t>참조 가능한 </a:t>
             </a:r>
             <a:r>
               <a:rPr lang="ko-KR" altLang="en-US" sz="1600" spc="-150" dirty="0">
@@ -28909,20 +28693,46 @@
                   </a:outerShdw>
                 </a:effectLst>
               </a:rPr>
-              <a:t> 방법을 </a:t>
-            </a:r>
-            <a:r>
-              <a:rPr lang="ko-KR" altLang="en-US" sz="1600" spc="-150" dirty="0" err="1">
-                <a:ln w="0"/>
-                <a:effectLst>
-                  <a:outerShdw blurRad="38100" dist="19050" dir="2700000" algn="tl" rotWithShape="0">
-                    <a:schemeClr val="dk1">
-                      <a:alpha val="40000"/>
-                    </a:schemeClr>
-                  </a:outerShdw>
-                </a:effectLst>
-              </a:rPr>
-              <a:t>기입힌다</a:t>
+              <a:t>방법을 </a:t>
+            </a:r>
+            <a:r>
+              <a:rPr lang="ko-KR" altLang="en-US" sz="1600" spc="-150" dirty="0" smtClean="0">
+                <a:ln w="0"/>
+                <a:effectLst>
+                  <a:outerShdw blurRad="38100" dist="19050" dir="2700000" algn="tl" rotWithShape="0">
+                    <a:schemeClr val="dk1">
+                      <a:alpha val="40000"/>
+                    </a:schemeClr>
+                  </a:outerShdw>
+                </a:effectLst>
+              </a:rPr>
+              <a:t>기입</a:t>
+            </a:r>
+            <a:r>
+              <a:rPr lang="ko-KR" altLang="en-US" sz="1600" spc="-150" dirty="0" smtClean="0">
+                <a:ln w="0"/>
+                <a:effectLst>
+                  <a:outerShdw blurRad="38100" dist="19050" dir="2700000" algn="tl" rotWithShape="0">
+                    <a:schemeClr val="dk1">
+                      <a:alpha val="40000"/>
+                    </a:schemeClr>
+                  </a:outerShdw>
+                </a:effectLst>
+              </a:rPr>
+              <a:t>한</a:t>
+            </a:r>
+            <a:r>
+              <a:rPr lang="ko-KR" altLang="en-US" sz="1600" spc="-150" dirty="0" smtClean="0">
+                <a:ln w="0"/>
+                <a:effectLst>
+                  <a:outerShdw blurRad="38100" dist="19050" dir="2700000" algn="tl" rotWithShape="0">
+                    <a:schemeClr val="dk1">
+                      <a:alpha val="40000"/>
+                    </a:schemeClr>
+                  </a:outerShdw>
+                </a:effectLst>
+              </a:rPr>
+              <a:t>다</a:t>
             </a:r>
             <a:r>
               <a:rPr lang="en-US" altLang="ko-KR" sz="1600" spc="-150" dirty="0">
@@ -29061,7 +28871,7 @@
     </p:spTree>
     <p:extLst>
       <p:ext uri="{BB962C8B-B14F-4D97-AF65-F5344CB8AC3E}">
-        <p14:creationId xmlns:p14="http://schemas.microsoft.com/office/powerpoint/2010/main" val="956176555"/>
+        <p14:creationId xmlns:p14="http://schemas.microsoft.com/office/powerpoint/2010/main" xmlns="" val="956176555"/>
       </p:ext>
     </p:extLst>
   </p:cSld>
@@ -29244,13 +29054,13 @@
               <a:t>연산을 루프에서 사용하면 왜 </a:t>
             </a:r>
             <a:r>
-              <a:rPr lang="ko-KR" altLang="en-US" sz="1600" b="1" spc="-150" dirty="0" err="1" smtClean="0">
+              <a:rPr lang="ko-KR" altLang="en-US" sz="1600" b="1" spc="-150" dirty="0" smtClean="0">
                 <a:solidFill>
                   <a:srgbClr val="000000"/>
                 </a:solidFill>
                 <a:latin typeface="맑은 고딕" pitchFamily="50" charset="-127"/>
               </a:rPr>
-              <a:t>안되는가</a:t>
+              <a:t>안 되는가</a:t>
             </a:r>
             <a:r>
               <a:rPr lang="en-US" altLang="ko-KR" sz="1600" b="1" spc="-150" dirty="0" smtClean="0">
@@ -29748,7 +29558,7 @@
           <a:blip r:embed="rId4" cstate="print">
             <a:extLst>
               <a:ext uri="{28A0092B-C50C-407E-A947-70E740481C1C}">
-                <a14:useLocalDpi xmlns:a14="http://schemas.microsoft.com/office/drawing/2010/main" val="0"/>
+                <a14:useLocalDpi xmlns:a14="http://schemas.microsoft.com/office/drawing/2010/main" xmlns="" val="0"/>
               </a:ext>
             </a:extLst>
           </a:blip>
@@ -29768,7 +29578,7 @@
           <a:noFill/>
           <a:extLst>
             <a:ext uri="{909E8E84-426E-40DD-AFC4-6F175D3DCCD1}">
-              <a14:hiddenFill xmlns:a14="http://schemas.microsoft.com/office/drawing/2010/main">
+              <a14:hiddenFill xmlns:a14="http://schemas.microsoft.com/office/drawing/2010/main" xmlns="">
                 <a:solidFill>
                   <a:srgbClr val="FFFFFF"/>
                 </a:solidFill>
@@ -29844,7 +29654,7 @@
     </p:spTree>
     <p:extLst>
       <p:ext uri="{BB962C8B-B14F-4D97-AF65-F5344CB8AC3E}">
-        <p14:creationId xmlns:p14="http://schemas.microsoft.com/office/powerpoint/2010/main" val="1373657360"/>
+        <p14:creationId xmlns:p14="http://schemas.microsoft.com/office/powerpoint/2010/main" xmlns="" val="1373657360"/>
       </p:ext>
     </p:extLst>
   </p:cSld>
@@ -31020,7 +30830,7 @@
     </p:spTree>
     <p:extLst>
       <p:ext uri="{BB962C8B-B14F-4D97-AF65-F5344CB8AC3E}">
-        <p14:creationId xmlns:p14="http://schemas.microsoft.com/office/powerpoint/2010/main" val="3428144638"/>
+        <p14:creationId xmlns:p14="http://schemas.microsoft.com/office/powerpoint/2010/main" xmlns="" val="3428144638"/>
       </p:ext>
     </p:extLst>
   </p:cSld>
@@ -31367,7 +31177,7 @@
             <a:blip r:embed="rId3" cstate="print">
               <a:extLst>
                 <a:ext uri="{28A0092B-C50C-407E-A947-70E740481C1C}">
-                  <a14:useLocalDpi xmlns:a14="http://schemas.microsoft.com/office/drawing/2010/main" val="0"/>
+                  <a14:useLocalDpi xmlns:a14="http://schemas.microsoft.com/office/drawing/2010/main" xmlns="" val="0"/>
                 </a:ext>
               </a:extLst>
             </a:blip>
@@ -31387,7 +31197,7 @@
             <a:noFill/>
             <a:extLst>
               <a:ext uri="{909E8E84-426E-40DD-AFC4-6F175D3DCCD1}">
-                <a14:hiddenFill xmlns:a14="http://schemas.microsoft.com/office/drawing/2010/main">
+                <a14:hiddenFill xmlns:a14="http://schemas.microsoft.com/office/drawing/2010/main" xmlns="">
                   <a:solidFill>
                     <a:srgbClr val="FFFFFF"/>
                   </a:solidFill>
@@ -32137,7 +31947,7 @@
     </p:spTree>
     <p:extLst>
       <p:ext uri="{BB962C8B-B14F-4D97-AF65-F5344CB8AC3E}">
-        <p14:creationId xmlns:p14="http://schemas.microsoft.com/office/powerpoint/2010/main" val="262264120"/>
+        <p14:creationId xmlns:p14="http://schemas.microsoft.com/office/powerpoint/2010/main" xmlns="" val="262264120"/>
       </p:ext>
     </p:extLst>
   </p:cSld>
@@ -32557,7 +32367,7 @@
           <a:blip r:embed="rId3">
             <a:extLst>
               <a:ext uri="{28A0092B-C50C-407E-A947-70E740481C1C}">
-                <a14:useLocalDpi xmlns:a14="http://schemas.microsoft.com/office/drawing/2010/main" val="0"/>
+                <a14:useLocalDpi xmlns:a14="http://schemas.microsoft.com/office/drawing/2010/main" xmlns="" val="0"/>
               </a:ext>
             </a:extLst>
           </a:blip>
@@ -32577,7 +32387,7 @@
           <a:noFill/>
           <a:extLst>
             <a:ext uri="{909E8E84-426E-40DD-AFC4-6F175D3DCCD1}">
-              <a14:hiddenFill xmlns:a14="http://schemas.microsoft.com/office/drawing/2010/main">
+              <a14:hiddenFill xmlns:a14="http://schemas.microsoft.com/office/drawing/2010/main" xmlns="">
                 <a:solidFill>
                   <a:srgbClr val="FFFFFF"/>
                 </a:solidFill>
@@ -32988,7 +32798,7 @@
     </p:spTree>
     <p:extLst>
       <p:ext uri="{BB962C8B-B14F-4D97-AF65-F5344CB8AC3E}">
-        <p14:creationId xmlns:p14="http://schemas.microsoft.com/office/powerpoint/2010/main" val="1270003621"/>
+        <p14:creationId xmlns:p14="http://schemas.microsoft.com/office/powerpoint/2010/main" xmlns="" val="1270003621"/>
       </p:ext>
     </p:extLst>
   </p:cSld>
